--- a/Presentation1.pptx
+++ b/Presentation1.pptx
@@ -4,12 +4,23 @@
   <p:sldMasterIdLst>
     <p:sldMasterId id="2147483648" r:id="rId1"/>
   </p:sldMasterIdLst>
+  <p:notesMasterIdLst>
+    <p:notesMasterId r:id="rId15"/>
+  </p:notesMasterIdLst>
   <p:sldIdLst>
     <p:sldId id="256" r:id="rId2"/>
-    <p:sldId id="261" r:id="rId3"/>
-    <p:sldId id="257" r:id="rId4"/>
-    <p:sldId id="258" r:id="rId5"/>
+    <p:sldId id="263" r:id="rId3"/>
+    <p:sldId id="261" r:id="rId4"/>
+    <p:sldId id="257" r:id="rId5"/>
     <p:sldId id="259" r:id="rId6"/>
+    <p:sldId id="262" r:id="rId7"/>
+    <p:sldId id="270" r:id="rId8"/>
+    <p:sldId id="264" r:id="rId9"/>
+    <p:sldId id="265" r:id="rId10"/>
+    <p:sldId id="266" r:id="rId11"/>
+    <p:sldId id="267" r:id="rId12"/>
+    <p:sldId id="268" r:id="rId13"/>
+    <p:sldId id="269" r:id="rId14"/>
   </p:sldIdLst>
   <p:sldSz cx="12192000" cy="6858000"/>
   <p:notesSz cx="6858000" cy="9144000"/>
@@ -108,7 +119,734 @@
       </a:defRPr>
     </a:lvl9pPr>
   </p:defaultTextStyle>
+  <p:extLst>
+    <p:ext uri="{EFAFB233-063F-42B5-8137-9DF3F51BA10A}">
+      <p15:sldGuideLst xmlns:p15="http://schemas.microsoft.com/office/powerpoint/2012/main"/>
+    </p:ext>
+  </p:extLst>
 </p:presentation>
+</file>
+
+<file path=ppt/notesMasters/notesMaster1.xml><?xml version="1.0" encoding="utf-8"?>
+<p:notesMaster xmlns:a="http://schemas.openxmlformats.org/drawingml/2006/main" xmlns:r="http://schemas.openxmlformats.org/officeDocument/2006/relationships" xmlns:p="http://schemas.openxmlformats.org/presentationml/2006/main">
+  <p:cSld>
+    <p:bg>
+      <p:bgRef idx="1001">
+        <a:schemeClr val="bg1"/>
+      </p:bgRef>
+    </p:bg>
+    <p:spTree>
+      <p:nvGrpSpPr>
+        <p:cNvPr id="1" name=""/>
+        <p:cNvGrpSpPr/>
+        <p:nvPr/>
+      </p:nvGrpSpPr>
+      <p:grpSpPr>
+        <a:xfrm>
+          <a:off x="0" y="0"/>
+          <a:ext cx="0" cy="0"/>
+          <a:chOff x="0" y="0"/>
+          <a:chExt cx="0" cy="0"/>
+        </a:xfrm>
+      </p:grpSpPr>
+      <p:sp>
+        <p:nvSpPr>
+          <p:cNvPr id="2" name="Header Placeholder 1"/>
+          <p:cNvSpPr>
+            <a:spLocks noGrp="1"/>
+          </p:cNvSpPr>
+          <p:nvPr>
+            <p:ph type="hdr" sz="quarter"/>
+          </p:nvPr>
+        </p:nvSpPr>
+        <p:spPr>
+          <a:xfrm>
+            <a:off x="0" y="0"/>
+            <a:ext cx="2971800" cy="458788"/>
+          </a:xfrm>
+          <a:prstGeom prst="rect">
+            <a:avLst/>
+          </a:prstGeom>
+        </p:spPr>
+        <p:txBody>
+          <a:bodyPr vert="horz" lIns="91440" tIns="45720" rIns="91440" bIns="45720" rtlCol="0"/>
+          <a:lstStyle>
+            <a:lvl1pPr algn="l">
+              <a:defRPr sz="1200"/>
+            </a:lvl1pPr>
+          </a:lstStyle>
+          <a:p>
+            <a:endParaRPr lang="en-US"/>
+          </a:p>
+        </p:txBody>
+      </p:sp>
+      <p:sp>
+        <p:nvSpPr>
+          <p:cNvPr id="3" name="Date Placeholder 2"/>
+          <p:cNvSpPr>
+            <a:spLocks noGrp="1"/>
+          </p:cNvSpPr>
+          <p:nvPr>
+            <p:ph type="dt" idx="1"/>
+          </p:nvPr>
+        </p:nvSpPr>
+        <p:spPr>
+          <a:xfrm>
+            <a:off x="3884613" y="0"/>
+            <a:ext cx="2971800" cy="458788"/>
+          </a:xfrm>
+          <a:prstGeom prst="rect">
+            <a:avLst/>
+          </a:prstGeom>
+        </p:spPr>
+        <p:txBody>
+          <a:bodyPr vert="horz" lIns="91440" tIns="45720" rIns="91440" bIns="45720" rtlCol="0"/>
+          <a:lstStyle>
+            <a:lvl1pPr algn="r">
+              <a:defRPr sz="1200"/>
+            </a:lvl1pPr>
+          </a:lstStyle>
+          <a:p>
+            <a:fld id="{2BA8C865-AAFA-4817-8553-29799CAD2121}" type="datetimeFigureOut">
+              <a:rPr lang="en-US" smtClean="0"/>
+              <a:t>4/16/2025</a:t>
+            </a:fld>
+            <a:endParaRPr lang="en-US"/>
+          </a:p>
+        </p:txBody>
+      </p:sp>
+      <p:sp>
+        <p:nvSpPr>
+          <p:cNvPr id="4" name="Slide Image Placeholder 3"/>
+          <p:cNvSpPr>
+            <a:spLocks noGrp="1" noRot="1" noChangeAspect="1"/>
+          </p:cNvSpPr>
+          <p:nvPr>
+            <p:ph type="sldImg" idx="2"/>
+          </p:nvPr>
+        </p:nvSpPr>
+        <p:spPr>
+          <a:xfrm>
+            <a:off x="685800" y="1143000"/>
+            <a:ext cx="5486400" cy="3086100"/>
+          </a:xfrm>
+          <a:prstGeom prst="rect">
+            <a:avLst/>
+          </a:prstGeom>
+          <a:noFill/>
+          <a:ln w="12700">
+            <a:solidFill>
+              <a:prstClr val="black"/>
+            </a:solidFill>
+          </a:ln>
+        </p:spPr>
+        <p:txBody>
+          <a:bodyPr vert="horz" lIns="91440" tIns="45720" rIns="91440" bIns="45720" rtlCol="0" anchor="ctr"/>
+          <a:lstStyle/>
+          <a:p>
+            <a:endParaRPr lang="en-US"/>
+          </a:p>
+        </p:txBody>
+      </p:sp>
+      <p:sp>
+        <p:nvSpPr>
+          <p:cNvPr id="5" name="Notes Placeholder 4"/>
+          <p:cNvSpPr>
+            <a:spLocks noGrp="1"/>
+          </p:cNvSpPr>
+          <p:nvPr>
+            <p:ph type="body" sz="quarter" idx="3"/>
+          </p:nvPr>
+        </p:nvSpPr>
+        <p:spPr>
+          <a:xfrm>
+            <a:off x="685800" y="4400550"/>
+            <a:ext cx="5486400" cy="3600450"/>
+          </a:xfrm>
+          <a:prstGeom prst="rect">
+            <a:avLst/>
+          </a:prstGeom>
+        </p:spPr>
+        <p:txBody>
+          <a:bodyPr vert="horz" lIns="91440" tIns="45720" rIns="91440" bIns="45720" rtlCol="0"/>
+          <a:lstStyle/>
+          <a:p>
+            <a:pPr lvl="0"/>
+            <a:r>
+              <a:rPr lang="en-US"/>
+              <a:t>Click to edit Master text styles</a:t>
+            </a:r>
+          </a:p>
+          <a:p>
+            <a:pPr lvl="1"/>
+            <a:r>
+              <a:rPr lang="en-US"/>
+              <a:t>Second level</a:t>
+            </a:r>
+          </a:p>
+          <a:p>
+            <a:pPr lvl="2"/>
+            <a:r>
+              <a:rPr lang="en-US"/>
+              <a:t>Third level</a:t>
+            </a:r>
+          </a:p>
+          <a:p>
+            <a:pPr lvl="3"/>
+            <a:r>
+              <a:rPr lang="en-US"/>
+              <a:t>Fourth level</a:t>
+            </a:r>
+          </a:p>
+          <a:p>
+            <a:pPr lvl="4"/>
+            <a:r>
+              <a:rPr lang="en-US"/>
+              <a:t>Fifth level</a:t>
+            </a:r>
+          </a:p>
+        </p:txBody>
+      </p:sp>
+      <p:sp>
+        <p:nvSpPr>
+          <p:cNvPr id="6" name="Footer Placeholder 5"/>
+          <p:cNvSpPr>
+            <a:spLocks noGrp="1"/>
+          </p:cNvSpPr>
+          <p:nvPr>
+            <p:ph type="ftr" sz="quarter" idx="4"/>
+          </p:nvPr>
+        </p:nvSpPr>
+        <p:spPr>
+          <a:xfrm>
+            <a:off x="0" y="8685213"/>
+            <a:ext cx="2971800" cy="458787"/>
+          </a:xfrm>
+          <a:prstGeom prst="rect">
+            <a:avLst/>
+          </a:prstGeom>
+        </p:spPr>
+        <p:txBody>
+          <a:bodyPr vert="horz" lIns="91440" tIns="45720" rIns="91440" bIns="45720" rtlCol="0" anchor="b"/>
+          <a:lstStyle>
+            <a:lvl1pPr algn="l">
+              <a:defRPr sz="1200"/>
+            </a:lvl1pPr>
+          </a:lstStyle>
+          <a:p>
+            <a:endParaRPr lang="en-US"/>
+          </a:p>
+        </p:txBody>
+      </p:sp>
+      <p:sp>
+        <p:nvSpPr>
+          <p:cNvPr id="7" name="Slide Number Placeholder 6"/>
+          <p:cNvSpPr>
+            <a:spLocks noGrp="1"/>
+          </p:cNvSpPr>
+          <p:nvPr>
+            <p:ph type="sldNum" sz="quarter" idx="5"/>
+          </p:nvPr>
+        </p:nvSpPr>
+        <p:spPr>
+          <a:xfrm>
+            <a:off x="3884613" y="8685213"/>
+            <a:ext cx="2971800" cy="458787"/>
+          </a:xfrm>
+          <a:prstGeom prst="rect">
+            <a:avLst/>
+          </a:prstGeom>
+        </p:spPr>
+        <p:txBody>
+          <a:bodyPr vert="horz" lIns="91440" tIns="45720" rIns="91440" bIns="45720" rtlCol="0" anchor="b"/>
+          <a:lstStyle>
+            <a:lvl1pPr algn="r">
+              <a:defRPr sz="1200"/>
+            </a:lvl1pPr>
+          </a:lstStyle>
+          <a:p>
+            <a:fld id="{65604274-588B-404D-9029-9387EEB2C3BD}" type="slidenum">
+              <a:rPr lang="en-US" smtClean="0"/>
+              <a:t>‹#›</a:t>
+            </a:fld>
+            <a:endParaRPr lang="en-US"/>
+          </a:p>
+        </p:txBody>
+      </p:sp>
+    </p:spTree>
+    <p:extLst>
+      <p:ext uri="{BB962C8B-B14F-4D97-AF65-F5344CB8AC3E}">
+        <p14:creationId xmlns:p14="http://schemas.microsoft.com/office/powerpoint/2010/main" val="1464735573"/>
+      </p:ext>
+    </p:extLst>
+  </p:cSld>
+  <p:clrMap bg1="lt1" tx1="dk1" bg2="lt2" tx2="dk2" accent1="accent1" accent2="accent2" accent3="accent3" accent4="accent4" accent5="accent5" accent6="accent6" hlink="hlink" folHlink="folHlink"/>
+  <p:notesStyle>
+    <a:lvl1pPr marL="0" algn="l" defTabSz="914400" rtl="0" eaLnBrk="1" latinLnBrk="0" hangingPunct="1">
+      <a:defRPr sz="1200" kern="1200">
+        <a:solidFill>
+          <a:schemeClr val="tx1"/>
+        </a:solidFill>
+        <a:latin typeface="+mn-lt"/>
+        <a:ea typeface="+mn-ea"/>
+        <a:cs typeface="+mn-cs"/>
+      </a:defRPr>
+    </a:lvl1pPr>
+    <a:lvl2pPr marL="457200" algn="l" defTabSz="914400" rtl="0" eaLnBrk="1" latinLnBrk="0" hangingPunct="1">
+      <a:defRPr sz="1200" kern="1200">
+        <a:solidFill>
+          <a:schemeClr val="tx1"/>
+        </a:solidFill>
+        <a:latin typeface="+mn-lt"/>
+        <a:ea typeface="+mn-ea"/>
+        <a:cs typeface="+mn-cs"/>
+      </a:defRPr>
+    </a:lvl2pPr>
+    <a:lvl3pPr marL="914400" algn="l" defTabSz="914400" rtl="0" eaLnBrk="1" latinLnBrk="0" hangingPunct="1">
+      <a:defRPr sz="1200" kern="1200">
+        <a:solidFill>
+          <a:schemeClr val="tx1"/>
+        </a:solidFill>
+        <a:latin typeface="+mn-lt"/>
+        <a:ea typeface="+mn-ea"/>
+        <a:cs typeface="+mn-cs"/>
+      </a:defRPr>
+    </a:lvl3pPr>
+    <a:lvl4pPr marL="1371600" algn="l" defTabSz="914400" rtl="0" eaLnBrk="1" latinLnBrk="0" hangingPunct="1">
+      <a:defRPr sz="1200" kern="1200">
+        <a:solidFill>
+          <a:schemeClr val="tx1"/>
+        </a:solidFill>
+        <a:latin typeface="+mn-lt"/>
+        <a:ea typeface="+mn-ea"/>
+        <a:cs typeface="+mn-cs"/>
+      </a:defRPr>
+    </a:lvl4pPr>
+    <a:lvl5pPr marL="1828800" algn="l" defTabSz="914400" rtl="0" eaLnBrk="1" latinLnBrk="0" hangingPunct="1">
+      <a:defRPr sz="1200" kern="1200">
+        <a:solidFill>
+          <a:schemeClr val="tx1"/>
+        </a:solidFill>
+        <a:latin typeface="+mn-lt"/>
+        <a:ea typeface="+mn-ea"/>
+        <a:cs typeface="+mn-cs"/>
+      </a:defRPr>
+    </a:lvl5pPr>
+    <a:lvl6pPr marL="2286000" algn="l" defTabSz="914400" rtl="0" eaLnBrk="1" latinLnBrk="0" hangingPunct="1">
+      <a:defRPr sz="1200" kern="1200">
+        <a:solidFill>
+          <a:schemeClr val="tx1"/>
+        </a:solidFill>
+        <a:latin typeface="+mn-lt"/>
+        <a:ea typeface="+mn-ea"/>
+        <a:cs typeface="+mn-cs"/>
+      </a:defRPr>
+    </a:lvl6pPr>
+    <a:lvl7pPr marL="2743200" algn="l" defTabSz="914400" rtl="0" eaLnBrk="1" latinLnBrk="0" hangingPunct="1">
+      <a:defRPr sz="1200" kern="1200">
+        <a:solidFill>
+          <a:schemeClr val="tx1"/>
+        </a:solidFill>
+        <a:latin typeface="+mn-lt"/>
+        <a:ea typeface="+mn-ea"/>
+        <a:cs typeface="+mn-cs"/>
+      </a:defRPr>
+    </a:lvl7pPr>
+    <a:lvl8pPr marL="3200400" algn="l" defTabSz="914400" rtl="0" eaLnBrk="1" latinLnBrk="0" hangingPunct="1">
+      <a:defRPr sz="1200" kern="1200">
+        <a:solidFill>
+          <a:schemeClr val="tx1"/>
+        </a:solidFill>
+        <a:latin typeface="+mn-lt"/>
+        <a:ea typeface="+mn-ea"/>
+        <a:cs typeface="+mn-cs"/>
+      </a:defRPr>
+    </a:lvl8pPr>
+    <a:lvl9pPr marL="3657600" algn="l" defTabSz="914400" rtl="0" eaLnBrk="1" latinLnBrk="0" hangingPunct="1">
+      <a:defRPr sz="1200" kern="1200">
+        <a:solidFill>
+          <a:schemeClr val="tx1"/>
+        </a:solidFill>
+        <a:latin typeface="+mn-lt"/>
+        <a:ea typeface="+mn-ea"/>
+        <a:cs typeface="+mn-cs"/>
+      </a:defRPr>
+    </a:lvl9pPr>
+  </p:notesStyle>
+</p:notesMaster>
+</file>
+
+<file path=ppt/notesSlides/notesSlide1.xml><?xml version="1.0" encoding="utf-8"?>
+<p:notes xmlns:a="http://schemas.openxmlformats.org/drawingml/2006/main" xmlns:r="http://schemas.openxmlformats.org/officeDocument/2006/relationships" xmlns:p="http://schemas.openxmlformats.org/presentationml/2006/main">
+  <p:cSld>
+    <p:spTree>
+      <p:nvGrpSpPr>
+        <p:cNvPr id="1" name=""/>
+        <p:cNvGrpSpPr/>
+        <p:nvPr/>
+      </p:nvGrpSpPr>
+      <p:grpSpPr>
+        <a:xfrm>
+          <a:off x="0" y="0"/>
+          <a:ext cx="0" cy="0"/>
+          <a:chOff x="0" y="0"/>
+          <a:chExt cx="0" cy="0"/>
+        </a:xfrm>
+      </p:grpSpPr>
+      <p:sp>
+        <p:nvSpPr>
+          <p:cNvPr id="2" name="Slide Image Placeholder 1"/>
+          <p:cNvSpPr>
+            <a:spLocks noGrp="1" noRot="1" noChangeAspect="1"/>
+          </p:cNvSpPr>
+          <p:nvPr>
+            <p:ph type="sldImg"/>
+          </p:nvPr>
+        </p:nvSpPr>
+        <p:spPr/>
+      </p:sp>
+      <p:sp>
+        <p:nvSpPr>
+          <p:cNvPr id="3" name="Notes Placeholder 2"/>
+          <p:cNvSpPr>
+            <a:spLocks noGrp="1"/>
+          </p:cNvSpPr>
+          <p:nvPr>
+            <p:ph type="body" idx="1"/>
+          </p:nvPr>
+        </p:nvSpPr>
+        <p:spPr/>
+        <p:txBody>
+          <a:bodyPr/>
+          <a:lstStyle/>
+          <a:p>
+            <a:r>
+              <a:rPr lang="en-US" sz="2000" b="1" dirty="0"/>
+              <a:t>Sparse and Weak Odor Responses in Piriform Cortex</a:t>
+            </a:r>
+          </a:p>
+          <a:p>
+            <a:pPr>
+              <a:buFont typeface="Arial" panose="020B0604020202020204" pitchFamily="34" charset="0"/>
+              <a:buChar char="•"/>
+            </a:pPr>
+            <a:r>
+              <a:rPr lang="en-US" sz="2000" dirty="0"/>
+              <a:t>Overall, the majority of piriform cortex neurons exhibited </a:t>
+            </a:r>
+            <a:r>
+              <a:rPr lang="en-US" sz="2000" b="1" dirty="0"/>
+              <a:t>low odor-evoked ΔF/F amplitudes</a:t>
+            </a:r>
+            <a:r>
+              <a:rPr lang="en-US" sz="2000" dirty="0"/>
+              <a:t>, even when responding to stimuli.</a:t>
+            </a:r>
+            <a:br>
+              <a:rPr lang="en-US" sz="2000" dirty="0"/>
+            </a:br>
+            <a:r>
+              <a:rPr lang="en-US" sz="2000" dirty="0"/>
+              <a:t> PSTH and raster plots confirmed that only </a:t>
+            </a:r>
+            <a:r>
+              <a:rPr lang="en-US" sz="2000" b="1" dirty="0"/>
+              <a:t>2–3 out of 8 trials</a:t>
+            </a:r>
+            <a:r>
+              <a:rPr lang="en-US" sz="2000" dirty="0"/>
+              <a:t> typically showed clear responses, and </a:t>
+            </a:r>
+            <a:r>
+              <a:rPr lang="en-US" sz="2000" b="1" dirty="0"/>
+              <a:t>mean ΔF/F rarely exceeded 0.1–0.3</a:t>
+            </a:r>
+            <a:r>
+              <a:rPr lang="en-US" sz="2000" dirty="0"/>
+              <a:t>.</a:t>
+            </a:r>
+          </a:p>
+          <a:p>
+            <a:pPr>
+              <a:buFont typeface="Arial" panose="020B0604020202020204" pitchFamily="34" charset="0"/>
+              <a:buChar char="•"/>
+            </a:pPr>
+            <a:r>
+              <a:rPr lang="en-US" sz="2000" dirty="0"/>
+              <a:t>Additionally, </a:t>
+            </a:r>
+            <a:r>
+              <a:rPr lang="en-US" sz="2000" b="1" dirty="0"/>
+              <a:t>trial-to-trial variability remained high</a:t>
+            </a:r>
+            <a:r>
+              <a:rPr lang="en-US" sz="2000" dirty="0"/>
+              <a:t>:</a:t>
+            </a:r>
+            <a:br>
+              <a:rPr lang="en-US" sz="2000" dirty="0"/>
+            </a:br>
+            <a:r>
+              <a:rPr lang="en-US" sz="2000" dirty="0"/>
+              <a:t> CV values for most neurons were well above the stability threshold (e.g., CV &lt; 0.7), indicating </a:t>
+            </a:r>
+            <a:r>
+              <a:rPr lang="en-US" sz="2000" b="1" dirty="0"/>
+              <a:t>limited consistency</a:t>
+            </a:r>
+            <a:r>
+              <a:rPr lang="en-US" sz="2000" dirty="0"/>
+              <a:t> across trials.</a:t>
+            </a:r>
+          </a:p>
+          <a:p>
+            <a:pPr>
+              <a:buFont typeface="Arial" panose="020B0604020202020204" pitchFamily="34" charset="0"/>
+              <a:buChar char="•"/>
+            </a:pPr>
+            <a:r>
+              <a:rPr lang="en-US" sz="2000" dirty="0"/>
+              <a:t>Only a </a:t>
+            </a:r>
+            <a:r>
+              <a:rPr lang="en-US" sz="2000" b="1" dirty="0"/>
+              <a:t>small number of neuron-odor pairs</a:t>
+            </a:r>
+            <a:r>
+              <a:rPr lang="en-US" sz="2000" dirty="0"/>
+              <a:t> passed the strong-and-stable criteria (ΔF/F &gt; 0.1 &amp; CV &lt; 0.7), with each animal exhibiting just </a:t>
+            </a:r>
+            <a:r>
+              <a:rPr lang="en-US" sz="2000" b="1" dirty="0"/>
+              <a:t>3–4 such combinations</a:t>
+            </a:r>
+            <a:r>
+              <a:rPr lang="en-US" sz="2000" dirty="0"/>
+              <a:t>.</a:t>
+            </a:r>
+          </a:p>
+          <a:p>
+            <a:pPr>
+              <a:buFont typeface="Arial" panose="020B0604020202020204" pitchFamily="34" charset="0"/>
+              <a:buChar char="•"/>
+            </a:pPr>
+            <a:endParaRPr lang="en-US" sz="2000" dirty="0"/>
+          </a:p>
+          <a:p>
+            <a:pPr>
+              <a:buFont typeface="Arial" panose="020B0604020202020204" pitchFamily="34" charset="0"/>
+              <a:buChar char="•"/>
+            </a:pPr>
+            <a:endParaRPr lang="en-US" sz="2000" dirty="0"/>
+          </a:p>
+          <a:p>
+            <a:r>
+              <a:rPr lang="en-US" sz="1400" dirty="0"/>
+              <a:t>Some neurons on the Heatmap may have a persistent response to many odors (high ΔF/F for a long time), but the OSI of these neurons may not be high. </a:t>
+            </a:r>
+          </a:p>
+          <a:p>
+            <a:r>
+              <a:rPr lang="en-US" sz="1400" dirty="0"/>
+              <a:t>This is because OSI does not take into account the "duration of the response"</a:t>
+            </a:r>
+          </a:p>
+          <a:p>
+            <a:endParaRPr lang="en-US" sz="1400" dirty="0"/>
+          </a:p>
+          <a:p>
+            <a:r>
+              <a:rPr lang="en-US" sz="1400" dirty="0"/>
+              <a:t>Which neurons respond strongly to those odors, and which respond specifically?</a:t>
+            </a:r>
+          </a:p>
+          <a:p>
+            <a:endParaRPr lang="en-US" sz="1400" dirty="0"/>
+          </a:p>
+          <a:p>
+            <a:endParaRPr lang="en-US" sz="1400" dirty="0"/>
+          </a:p>
+          <a:p>
+            <a:endParaRPr lang="en-US" sz="1400" dirty="0"/>
+          </a:p>
+          <a:p>
+            <a:endParaRPr lang="en-US" sz="1400" dirty="0"/>
+          </a:p>
+        </p:txBody>
+      </p:sp>
+      <p:sp>
+        <p:nvSpPr>
+          <p:cNvPr id="4" name="Slide Number Placeholder 3"/>
+          <p:cNvSpPr>
+            <a:spLocks noGrp="1"/>
+          </p:cNvSpPr>
+          <p:nvPr>
+            <p:ph type="sldNum" sz="quarter" idx="5"/>
+          </p:nvPr>
+        </p:nvSpPr>
+        <p:spPr/>
+        <p:txBody>
+          <a:bodyPr/>
+          <a:lstStyle/>
+          <a:p>
+            <a:fld id="{65604274-588B-404D-9029-9387EEB2C3BD}" type="slidenum">
+              <a:rPr lang="en-US" smtClean="0"/>
+              <a:t>6</a:t>
+            </a:fld>
+            <a:endParaRPr lang="en-US"/>
+          </a:p>
+        </p:txBody>
+      </p:sp>
+    </p:spTree>
+    <p:extLst>
+      <p:ext uri="{BB962C8B-B14F-4D97-AF65-F5344CB8AC3E}">
+        <p14:creationId xmlns:p14="http://schemas.microsoft.com/office/powerpoint/2010/main" val="3653156166"/>
+      </p:ext>
+    </p:extLst>
+  </p:cSld>
+  <p:clrMapOvr>
+    <a:masterClrMapping/>
+  </p:clrMapOvr>
+</p:notes>
+</file>
+
+<file path=ppt/notesSlides/notesSlide2.xml><?xml version="1.0" encoding="utf-8"?>
+<p:notes xmlns:a="http://schemas.openxmlformats.org/drawingml/2006/main" xmlns:r="http://schemas.openxmlformats.org/officeDocument/2006/relationships" xmlns:p="http://schemas.openxmlformats.org/presentationml/2006/main">
+  <p:cSld>
+    <p:spTree>
+      <p:nvGrpSpPr>
+        <p:cNvPr id="1" name=""/>
+        <p:cNvGrpSpPr/>
+        <p:nvPr/>
+      </p:nvGrpSpPr>
+      <p:grpSpPr>
+        <a:xfrm>
+          <a:off x="0" y="0"/>
+          <a:ext cx="0" cy="0"/>
+          <a:chOff x="0" y="0"/>
+          <a:chExt cx="0" cy="0"/>
+        </a:xfrm>
+      </p:grpSpPr>
+      <p:sp>
+        <p:nvSpPr>
+          <p:cNvPr id="2" name="Slide Image Placeholder 1"/>
+          <p:cNvSpPr>
+            <a:spLocks noGrp="1" noRot="1" noChangeAspect="1"/>
+          </p:cNvSpPr>
+          <p:nvPr>
+            <p:ph type="sldImg"/>
+          </p:nvPr>
+        </p:nvSpPr>
+        <p:spPr/>
+      </p:sp>
+      <p:sp>
+        <p:nvSpPr>
+          <p:cNvPr id="3" name="Notes Placeholder 2"/>
+          <p:cNvSpPr>
+            <a:spLocks noGrp="1"/>
+          </p:cNvSpPr>
+          <p:nvPr>
+            <p:ph type="body" idx="1"/>
+          </p:nvPr>
+        </p:nvSpPr>
+        <p:spPr/>
+        <p:txBody>
+          <a:bodyPr/>
+          <a:lstStyle/>
+          <a:p>
+            <a:r>
+              <a:rPr lang="en-US" sz="1200" dirty="0"/>
+              <a:t>Across all three animals, only a limited number of neuron-odor pairs passed the strong-and-stable response threshold (mean ΔF/F &gt; 0.1 and CV &lt; 0.7). Each animal exhibited 3–4 such combinations, representing a small fraction of the total neuronal population. While these results confirm the existence of odor-evoked, reliable responses, they also highlight the sparse and variable nature of such coding across the piriform cortex.</a:t>
+            </a:r>
+            <a:endParaRPr lang="en-US" sz="1000" dirty="0"/>
+          </a:p>
+          <a:p>
+            <a:r>
+              <a:rPr lang="en-US" sz="1200" dirty="0"/>
+              <a:t>Comparison between a moderately selective neuron (OSI = 0.61) and a highly selective neuron (OSI = 0.92) revealed distinct tuning profiles. The OSI = 0.92 neuron showed a sparse, sharply tuned response to a single odorant, consistent with a role in specific odor identity coding. In contrast, the OSI = 0.61 neuron responded to multiple odorants with varying intensity, suggesting broader tuning and possible involvement in odor generalization or category representation.</a:t>
+            </a:r>
+            <a:endParaRPr lang="en-US" sz="1000" dirty="0"/>
+          </a:p>
+          <a:p>
+            <a:endParaRPr lang="en-US" sz="1000" dirty="0"/>
+          </a:p>
+          <a:p>
+            <a:r>
+              <a:rPr lang="en-US" sz="1000" dirty="0"/>
+              <a:t>Maybe</a:t>
+            </a:r>
+          </a:p>
+          <a:p>
+            <a:r>
+              <a:rPr lang="en-US" sz="1000" dirty="0"/>
+              <a:t>High OSI neuron supports "sparse coding" strategy, suitable for odor classifiers and characterizing fine </a:t>
+            </a:r>
+            <a:r>
+              <a:rPr lang="en-US" sz="1000" dirty="0" err="1"/>
+              <a:t>differencesLow</a:t>
+            </a:r>
+            <a:r>
+              <a:rPr lang="en-US" sz="1000" dirty="0"/>
+              <a:t> OSI neurons support a "distributed coding" strategy and may be involved in context or background odor evaluation (e.g., odor intensity, familiarity)</a:t>
+            </a:r>
+          </a:p>
+          <a:p>
+            <a:endParaRPr lang="en-US" sz="1200" dirty="0"/>
+          </a:p>
+          <a:p>
+            <a:endParaRPr lang="en-US" sz="1200" dirty="0"/>
+          </a:p>
+          <a:p>
+            <a:r>
+              <a:rPr lang="en-US" sz="1200" dirty="0"/>
+              <a:t>In Aim 1, we found that most piriform neurons responded to odors with low ΔF/F amplitudes, and only a few neurons showed strong and stable responses. Despite this, a surprisingly large proportion of neurons exhibited high odor selectivity, with OSI values exceeding 0.5 in many cases. This indicates that odor identity may be encoded not by strong activation, but by sparse and highly specific response patterns.</a:t>
+            </a:r>
+          </a:p>
+          <a:p>
+            <a:r>
+              <a:rPr lang="en-US" sz="1200" dirty="0"/>
+              <a:t>These findings set the stage for Aim 2, where we systematically quantify odor selectivity across the population and examine its implications for odor representation.</a:t>
+            </a:r>
+          </a:p>
+          <a:p>
+            <a:endParaRPr lang="en-US" dirty="0"/>
+          </a:p>
+        </p:txBody>
+      </p:sp>
+      <p:sp>
+        <p:nvSpPr>
+          <p:cNvPr id="4" name="Slide Number Placeholder 3"/>
+          <p:cNvSpPr>
+            <a:spLocks noGrp="1"/>
+          </p:cNvSpPr>
+          <p:nvPr>
+            <p:ph type="sldNum" sz="quarter" idx="5"/>
+          </p:nvPr>
+        </p:nvSpPr>
+        <p:spPr/>
+        <p:txBody>
+          <a:bodyPr/>
+          <a:lstStyle/>
+          <a:p>
+            <a:fld id="{65604274-588B-404D-9029-9387EEB2C3BD}" type="slidenum">
+              <a:rPr lang="en-US" smtClean="0"/>
+              <a:t>8</a:t>
+            </a:fld>
+            <a:endParaRPr lang="en-US"/>
+          </a:p>
+        </p:txBody>
+      </p:sp>
+    </p:spTree>
+    <p:extLst>
+      <p:ext uri="{BB962C8B-B14F-4D97-AF65-F5344CB8AC3E}">
+        <p14:creationId xmlns:p14="http://schemas.microsoft.com/office/powerpoint/2010/main" val="1332927000"/>
+      </p:ext>
+    </p:extLst>
+  </p:cSld>
+  <p:clrMapOvr>
+    <a:masterClrMapping/>
+  </p:clrMapOvr>
+</p:notes>
 </file>
 
 <file path=ppt/slideLayouts/slideLayout1.xml><?xml version="1.0" encoding="utf-8"?>
@@ -258,7 +996,7 @@
           <a:p>
             <a:fld id="{88F44D5B-2FC1-4FA1-B428-1504560839BB}" type="datetimeFigureOut">
               <a:rPr lang="en-US" smtClean="0"/>
-              <a:t>4/14/2025</a:t>
+              <a:t>4/16/2025</a:t>
             </a:fld>
             <a:endParaRPr lang="en-US"/>
           </a:p>
@@ -456,7 +1194,7 @@
           <a:p>
             <a:fld id="{88F44D5B-2FC1-4FA1-B428-1504560839BB}" type="datetimeFigureOut">
               <a:rPr lang="en-US" smtClean="0"/>
-              <a:t>4/14/2025</a:t>
+              <a:t>4/16/2025</a:t>
             </a:fld>
             <a:endParaRPr lang="en-US"/>
           </a:p>
@@ -664,7 +1402,7 @@
           <a:p>
             <a:fld id="{88F44D5B-2FC1-4FA1-B428-1504560839BB}" type="datetimeFigureOut">
               <a:rPr lang="en-US" smtClean="0"/>
-              <a:t>4/14/2025</a:t>
+              <a:t>4/16/2025</a:t>
             </a:fld>
             <a:endParaRPr lang="en-US"/>
           </a:p>
@@ -862,7 +1600,7 @@
           <a:p>
             <a:fld id="{88F44D5B-2FC1-4FA1-B428-1504560839BB}" type="datetimeFigureOut">
               <a:rPr lang="en-US" smtClean="0"/>
-              <a:t>4/14/2025</a:t>
+              <a:t>4/16/2025</a:t>
             </a:fld>
             <a:endParaRPr lang="en-US"/>
           </a:p>
@@ -1137,7 +1875,7 @@
           <a:p>
             <a:fld id="{88F44D5B-2FC1-4FA1-B428-1504560839BB}" type="datetimeFigureOut">
               <a:rPr lang="en-US" smtClean="0"/>
-              <a:t>4/14/2025</a:t>
+              <a:t>4/16/2025</a:t>
             </a:fld>
             <a:endParaRPr lang="en-US"/>
           </a:p>
@@ -1402,7 +2140,7 @@
           <a:p>
             <a:fld id="{88F44D5B-2FC1-4FA1-B428-1504560839BB}" type="datetimeFigureOut">
               <a:rPr lang="en-US" smtClean="0"/>
-              <a:t>4/14/2025</a:t>
+              <a:t>4/16/2025</a:t>
             </a:fld>
             <a:endParaRPr lang="en-US"/>
           </a:p>
@@ -1814,7 +2552,7 @@
           <a:p>
             <a:fld id="{88F44D5B-2FC1-4FA1-B428-1504560839BB}" type="datetimeFigureOut">
               <a:rPr lang="en-US" smtClean="0"/>
-              <a:t>4/14/2025</a:t>
+              <a:t>4/16/2025</a:t>
             </a:fld>
             <a:endParaRPr lang="en-US"/>
           </a:p>
@@ -1955,7 +2693,7 @@
           <a:p>
             <a:fld id="{88F44D5B-2FC1-4FA1-B428-1504560839BB}" type="datetimeFigureOut">
               <a:rPr lang="en-US" smtClean="0"/>
-              <a:t>4/14/2025</a:t>
+              <a:t>4/16/2025</a:t>
             </a:fld>
             <a:endParaRPr lang="en-US"/>
           </a:p>
@@ -2068,7 +2806,7 @@
           <a:p>
             <a:fld id="{88F44D5B-2FC1-4FA1-B428-1504560839BB}" type="datetimeFigureOut">
               <a:rPr lang="en-US" smtClean="0"/>
-              <a:t>4/14/2025</a:t>
+              <a:t>4/16/2025</a:t>
             </a:fld>
             <a:endParaRPr lang="en-US"/>
           </a:p>
@@ -2379,7 +3117,7 @@
           <a:p>
             <a:fld id="{88F44D5B-2FC1-4FA1-B428-1504560839BB}" type="datetimeFigureOut">
               <a:rPr lang="en-US" smtClean="0"/>
-              <a:t>4/14/2025</a:t>
+              <a:t>4/16/2025</a:t>
             </a:fld>
             <a:endParaRPr lang="en-US"/>
           </a:p>
@@ -2667,7 +3405,7 @@
           <a:p>
             <a:fld id="{88F44D5B-2FC1-4FA1-B428-1504560839BB}" type="datetimeFigureOut">
               <a:rPr lang="en-US" smtClean="0"/>
-              <a:t>4/14/2025</a:t>
+              <a:t>4/16/2025</a:t>
             </a:fld>
             <a:endParaRPr lang="en-US"/>
           </a:p>
@@ -2908,7 +3646,7 @@
           <a:p>
             <a:fld id="{88F44D5B-2FC1-4FA1-B428-1504560839BB}" type="datetimeFigureOut">
               <a:rPr lang="en-US" smtClean="0"/>
-              <a:t>4/14/2025</a:t>
+              <a:t>4/16/2025</a:t>
             </a:fld>
             <a:endParaRPr lang="en-US"/>
           </a:p>
@@ -3388,7 +4126,410 @@
 </p:sld>
 </file>
 
+<file path=ppt/slides/slide10.xml><?xml version="1.0" encoding="utf-8"?>
+<p:sld xmlns:a="http://schemas.openxmlformats.org/drawingml/2006/main" xmlns:r="http://schemas.openxmlformats.org/officeDocument/2006/relationships" xmlns:p="http://schemas.openxmlformats.org/presentationml/2006/main">
+  <p:cSld>
+    <p:spTree>
+      <p:nvGrpSpPr>
+        <p:cNvPr id="1" name=""/>
+        <p:cNvGrpSpPr/>
+        <p:nvPr/>
+      </p:nvGrpSpPr>
+      <p:grpSpPr>
+        <a:xfrm>
+          <a:off x="0" y="0"/>
+          <a:ext cx="0" cy="0"/>
+          <a:chOff x="0" y="0"/>
+          <a:chExt cx="0" cy="0"/>
+        </a:xfrm>
+      </p:grpSpPr>
+      <p:sp>
+        <p:nvSpPr>
+          <p:cNvPr id="2" name="Title 1">
+            <a:extLst>
+              <a:ext uri="{FF2B5EF4-FFF2-40B4-BE49-F238E27FC236}">
+                <a16:creationId xmlns:a16="http://schemas.microsoft.com/office/drawing/2014/main" id="{EF22400F-107F-B3BE-0AA9-536F0EC60494}"/>
+              </a:ext>
+            </a:extLst>
+          </p:cNvPr>
+          <p:cNvSpPr>
+            <a:spLocks noGrp="1"/>
+          </p:cNvSpPr>
+          <p:nvPr>
+            <p:ph type="title"/>
+          </p:nvPr>
+        </p:nvSpPr>
+        <p:spPr/>
+        <p:txBody>
+          <a:bodyPr/>
+          <a:lstStyle/>
+          <a:p>
+            <a:endParaRPr lang="en-US"/>
+          </a:p>
+        </p:txBody>
+      </p:sp>
+      <p:sp>
+        <p:nvSpPr>
+          <p:cNvPr id="3" name="Content Placeholder 2">
+            <a:extLst>
+              <a:ext uri="{FF2B5EF4-FFF2-40B4-BE49-F238E27FC236}">
+                <a16:creationId xmlns:a16="http://schemas.microsoft.com/office/drawing/2014/main" id="{917A53D9-2C69-62D0-EFF1-D2F25BC2B6D1}"/>
+              </a:ext>
+            </a:extLst>
+          </p:cNvPr>
+          <p:cNvSpPr>
+            <a:spLocks noGrp="1"/>
+          </p:cNvSpPr>
+          <p:nvPr>
+            <p:ph idx="1"/>
+          </p:nvPr>
+        </p:nvSpPr>
+        <p:spPr/>
+        <p:txBody>
+          <a:bodyPr/>
+          <a:lstStyle/>
+          <a:p>
+            <a:endParaRPr lang="en-US"/>
+          </a:p>
+        </p:txBody>
+      </p:sp>
+    </p:spTree>
+    <p:extLst>
+      <p:ext uri="{BB962C8B-B14F-4D97-AF65-F5344CB8AC3E}">
+        <p14:creationId xmlns:p14="http://schemas.microsoft.com/office/powerpoint/2010/main" val="4036896382"/>
+      </p:ext>
+    </p:extLst>
+  </p:cSld>
+  <p:clrMapOvr>
+    <a:masterClrMapping/>
+  </p:clrMapOvr>
+</p:sld>
+</file>
+
+<file path=ppt/slides/slide11.xml><?xml version="1.0" encoding="utf-8"?>
+<p:sld xmlns:a="http://schemas.openxmlformats.org/drawingml/2006/main" xmlns:r="http://schemas.openxmlformats.org/officeDocument/2006/relationships" xmlns:p="http://schemas.openxmlformats.org/presentationml/2006/main">
+  <p:cSld>
+    <p:spTree>
+      <p:nvGrpSpPr>
+        <p:cNvPr id="1" name=""/>
+        <p:cNvGrpSpPr/>
+        <p:nvPr/>
+      </p:nvGrpSpPr>
+      <p:grpSpPr>
+        <a:xfrm>
+          <a:off x="0" y="0"/>
+          <a:ext cx="0" cy="0"/>
+          <a:chOff x="0" y="0"/>
+          <a:chExt cx="0" cy="0"/>
+        </a:xfrm>
+      </p:grpSpPr>
+      <p:sp>
+        <p:nvSpPr>
+          <p:cNvPr id="2" name="Title 1">
+            <a:extLst>
+              <a:ext uri="{FF2B5EF4-FFF2-40B4-BE49-F238E27FC236}">
+                <a16:creationId xmlns:a16="http://schemas.microsoft.com/office/drawing/2014/main" id="{3D38D277-B235-E91E-57CA-0F204245BE01}"/>
+              </a:ext>
+            </a:extLst>
+          </p:cNvPr>
+          <p:cNvSpPr>
+            <a:spLocks noGrp="1"/>
+          </p:cNvSpPr>
+          <p:nvPr>
+            <p:ph type="title"/>
+          </p:nvPr>
+        </p:nvSpPr>
+        <p:spPr/>
+        <p:txBody>
+          <a:bodyPr/>
+          <a:lstStyle/>
+          <a:p>
+            <a:endParaRPr lang="en-US"/>
+          </a:p>
+        </p:txBody>
+      </p:sp>
+      <p:sp>
+        <p:nvSpPr>
+          <p:cNvPr id="3" name="Content Placeholder 2">
+            <a:extLst>
+              <a:ext uri="{FF2B5EF4-FFF2-40B4-BE49-F238E27FC236}">
+                <a16:creationId xmlns:a16="http://schemas.microsoft.com/office/drawing/2014/main" id="{3831B370-4751-1F17-3FA5-F4BDA9E2A20F}"/>
+              </a:ext>
+            </a:extLst>
+          </p:cNvPr>
+          <p:cNvSpPr>
+            <a:spLocks noGrp="1"/>
+          </p:cNvSpPr>
+          <p:nvPr>
+            <p:ph idx="1"/>
+          </p:nvPr>
+        </p:nvSpPr>
+        <p:spPr/>
+        <p:txBody>
+          <a:bodyPr/>
+          <a:lstStyle/>
+          <a:p>
+            <a:endParaRPr lang="en-US"/>
+          </a:p>
+        </p:txBody>
+      </p:sp>
+    </p:spTree>
+    <p:extLst>
+      <p:ext uri="{BB962C8B-B14F-4D97-AF65-F5344CB8AC3E}">
+        <p14:creationId xmlns:p14="http://schemas.microsoft.com/office/powerpoint/2010/main" val="2264369227"/>
+      </p:ext>
+    </p:extLst>
+  </p:cSld>
+  <p:clrMapOvr>
+    <a:masterClrMapping/>
+  </p:clrMapOvr>
+</p:sld>
+</file>
+
+<file path=ppt/slides/slide12.xml><?xml version="1.0" encoding="utf-8"?>
+<p:sld xmlns:a="http://schemas.openxmlformats.org/drawingml/2006/main" xmlns:r="http://schemas.openxmlformats.org/officeDocument/2006/relationships" xmlns:p="http://schemas.openxmlformats.org/presentationml/2006/main">
+  <p:cSld>
+    <p:spTree>
+      <p:nvGrpSpPr>
+        <p:cNvPr id="1" name=""/>
+        <p:cNvGrpSpPr/>
+        <p:nvPr/>
+      </p:nvGrpSpPr>
+      <p:grpSpPr>
+        <a:xfrm>
+          <a:off x="0" y="0"/>
+          <a:ext cx="0" cy="0"/>
+          <a:chOff x="0" y="0"/>
+          <a:chExt cx="0" cy="0"/>
+        </a:xfrm>
+      </p:grpSpPr>
+      <p:sp>
+        <p:nvSpPr>
+          <p:cNvPr id="2" name="Title 1">
+            <a:extLst>
+              <a:ext uri="{FF2B5EF4-FFF2-40B4-BE49-F238E27FC236}">
+                <a16:creationId xmlns:a16="http://schemas.microsoft.com/office/drawing/2014/main" id="{D3DC3827-C53D-6187-BF9A-BCCAE6B4465E}"/>
+              </a:ext>
+            </a:extLst>
+          </p:cNvPr>
+          <p:cNvSpPr>
+            <a:spLocks noGrp="1"/>
+          </p:cNvSpPr>
+          <p:nvPr>
+            <p:ph type="title"/>
+          </p:nvPr>
+        </p:nvSpPr>
+        <p:spPr/>
+        <p:txBody>
+          <a:bodyPr/>
+          <a:lstStyle/>
+          <a:p>
+            <a:endParaRPr lang="en-US"/>
+          </a:p>
+        </p:txBody>
+      </p:sp>
+      <p:sp>
+        <p:nvSpPr>
+          <p:cNvPr id="3" name="Content Placeholder 2">
+            <a:extLst>
+              <a:ext uri="{FF2B5EF4-FFF2-40B4-BE49-F238E27FC236}">
+                <a16:creationId xmlns:a16="http://schemas.microsoft.com/office/drawing/2014/main" id="{38A29D7A-DE53-F90C-2B24-B2E67C8F9962}"/>
+              </a:ext>
+            </a:extLst>
+          </p:cNvPr>
+          <p:cNvSpPr>
+            <a:spLocks noGrp="1"/>
+          </p:cNvSpPr>
+          <p:nvPr>
+            <p:ph idx="1"/>
+          </p:nvPr>
+        </p:nvSpPr>
+        <p:spPr/>
+        <p:txBody>
+          <a:bodyPr/>
+          <a:lstStyle/>
+          <a:p>
+            <a:endParaRPr lang="en-US"/>
+          </a:p>
+        </p:txBody>
+      </p:sp>
+    </p:spTree>
+    <p:extLst>
+      <p:ext uri="{BB962C8B-B14F-4D97-AF65-F5344CB8AC3E}">
+        <p14:creationId xmlns:p14="http://schemas.microsoft.com/office/powerpoint/2010/main" val="2091152992"/>
+      </p:ext>
+    </p:extLst>
+  </p:cSld>
+  <p:clrMapOvr>
+    <a:masterClrMapping/>
+  </p:clrMapOvr>
+</p:sld>
+</file>
+
+<file path=ppt/slides/slide13.xml><?xml version="1.0" encoding="utf-8"?>
+<p:sld xmlns:a="http://schemas.openxmlformats.org/drawingml/2006/main" xmlns:r="http://schemas.openxmlformats.org/officeDocument/2006/relationships" xmlns:p="http://schemas.openxmlformats.org/presentationml/2006/main">
+  <p:cSld>
+    <p:spTree>
+      <p:nvGrpSpPr>
+        <p:cNvPr id="1" name=""/>
+        <p:cNvGrpSpPr/>
+        <p:nvPr/>
+      </p:nvGrpSpPr>
+      <p:grpSpPr>
+        <a:xfrm>
+          <a:off x="0" y="0"/>
+          <a:ext cx="0" cy="0"/>
+          <a:chOff x="0" y="0"/>
+          <a:chExt cx="0" cy="0"/>
+        </a:xfrm>
+      </p:grpSpPr>
+      <p:sp>
+        <p:nvSpPr>
+          <p:cNvPr id="2" name="Title 1">
+            <a:extLst>
+              <a:ext uri="{FF2B5EF4-FFF2-40B4-BE49-F238E27FC236}">
+                <a16:creationId xmlns:a16="http://schemas.microsoft.com/office/drawing/2014/main" id="{D8EF9730-E847-F8D8-F79F-0E0D41BD5E36}"/>
+              </a:ext>
+            </a:extLst>
+          </p:cNvPr>
+          <p:cNvSpPr>
+            <a:spLocks noGrp="1"/>
+          </p:cNvSpPr>
+          <p:nvPr>
+            <p:ph type="title"/>
+          </p:nvPr>
+        </p:nvSpPr>
+        <p:spPr/>
+        <p:txBody>
+          <a:bodyPr/>
+          <a:lstStyle/>
+          <a:p>
+            <a:endParaRPr lang="en-US"/>
+          </a:p>
+        </p:txBody>
+      </p:sp>
+      <p:sp>
+        <p:nvSpPr>
+          <p:cNvPr id="3" name="Content Placeholder 2">
+            <a:extLst>
+              <a:ext uri="{FF2B5EF4-FFF2-40B4-BE49-F238E27FC236}">
+                <a16:creationId xmlns:a16="http://schemas.microsoft.com/office/drawing/2014/main" id="{2AA9B612-FF68-3A50-802E-86116322CCFD}"/>
+              </a:ext>
+            </a:extLst>
+          </p:cNvPr>
+          <p:cNvSpPr>
+            <a:spLocks noGrp="1"/>
+          </p:cNvSpPr>
+          <p:nvPr>
+            <p:ph idx="1"/>
+          </p:nvPr>
+        </p:nvSpPr>
+        <p:spPr/>
+        <p:txBody>
+          <a:bodyPr/>
+          <a:lstStyle/>
+          <a:p>
+            <a:endParaRPr lang="en-US"/>
+          </a:p>
+        </p:txBody>
+      </p:sp>
+    </p:spTree>
+    <p:extLst>
+      <p:ext uri="{BB962C8B-B14F-4D97-AF65-F5344CB8AC3E}">
+        <p14:creationId xmlns:p14="http://schemas.microsoft.com/office/powerpoint/2010/main" val="1352916578"/>
+      </p:ext>
+    </p:extLst>
+  </p:cSld>
+  <p:clrMapOvr>
+    <a:masterClrMapping/>
+  </p:clrMapOvr>
+</p:sld>
+</file>
+
 <file path=ppt/slides/slide2.xml><?xml version="1.0" encoding="utf-8"?>
+<p:sld xmlns:a="http://schemas.openxmlformats.org/drawingml/2006/main" xmlns:r="http://schemas.openxmlformats.org/officeDocument/2006/relationships" xmlns:p="http://schemas.openxmlformats.org/presentationml/2006/main">
+  <p:cSld>
+    <p:spTree>
+      <p:nvGrpSpPr>
+        <p:cNvPr id="1" name=""/>
+        <p:cNvGrpSpPr/>
+        <p:nvPr/>
+      </p:nvGrpSpPr>
+      <p:grpSpPr>
+        <a:xfrm>
+          <a:off x="0" y="0"/>
+          <a:ext cx="0" cy="0"/>
+          <a:chOff x="0" y="0"/>
+          <a:chExt cx="0" cy="0"/>
+        </a:xfrm>
+      </p:grpSpPr>
+      <p:sp>
+        <p:nvSpPr>
+          <p:cNvPr id="2" name="Title 1">
+            <a:extLst>
+              <a:ext uri="{FF2B5EF4-FFF2-40B4-BE49-F238E27FC236}">
+                <a16:creationId xmlns:a16="http://schemas.microsoft.com/office/drawing/2014/main" id="{E4CD058B-E27A-F4A9-D57D-C8C4B9BA1AC8}"/>
+              </a:ext>
+            </a:extLst>
+          </p:cNvPr>
+          <p:cNvSpPr>
+            <a:spLocks noGrp="1"/>
+          </p:cNvSpPr>
+          <p:nvPr>
+            <p:ph type="title"/>
+          </p:nvPr>
+        </p:nvSpPr>
+        <p:spPr/>
+        <p:txBody>
+          <a:bodyPr/>
+          <a:lstStyle/>
+          <a:p>
+            <a:r>
+              <a:rPr lang="en-US" dirty="0"/>
+              <a:t>Introduction</a:t>
+            </a:r>
+          </a:p>
+        </p:txBody>
+      </p:sp>
+      <p:sp>
+        <p:nvSpPr>
+          <p:cNvPr id="3" name="Content Placeholder 2">
+            <a:extLst>
+              <a:ext uri="{FF2B5EF4-FFF2-40B4-BE49-F238E27FC236}">
+                <a16:creationId xmlns:a16="http://schemas.microsoft.com/office/drawing/2014/main" id="{222C6FBC-B760-5CED-3C99-A84CFC264129}"/>
+              </a:ext>
+            </a:extLst>
+          </p:cNvPr>
+          <p:cNvSpPr>
+            <a:spLocks noGrp="1"/>
+          </p:cNvSpPr>
+          <p:nvPr>
+            <p:ph idx="1"/>
+          </p:nvPr>
+        </p:nvSpPr>
+        <p:spPr/>
+        <p:txBody>
+          <a:bodyPr/>
+          <a:lstStyle/>
+          <a:p>
+            <a:endParaRPr lang="en-US" dirty="0"/>
+          </a:p>
+        </p:txBody>
+      </p:sp>
+    </p:spTree>
+    <p:extLst>
+      <p:ext uri="{BB962C8B-B14F-4D97-AF65-F5344CB8AC3E}">
+        <p14:creationId xmlns:p14="http://schemas.microsoft.com/office/powerpoint/2010/main" val="310013559"/>
+      </p:ext>
+    </p:extLst>
+  </p:cSld>
+  <p:clrMapOvr>
+    <a:masterClrMapping/>
+  </p:clrMapOvr>
+</p:sld>
+</file>
+
+<file path=ppt/slides/slide3.xml><?xml version="1.0" encoding="utf-8"?>
 <p:sld xmlns:a="http://schemas.openxmlformats.org/drawingml/2006/main" xmlns:r="http://schemas.openxmlformats.org/officeDocument/2006/relationships" xmlns:p="http://schemas.openxmlformats.org/presentationml/2006/main">
   <p:cSld>
     <p:spTree>
@@ -3533,7 +4674,7 @@
 </p:sld>
 </file>
 
-<file path=ppt/slides/slide3.xml><?xml version="1.0" encoding="utf-8"?>
+<file path=ppt/slides/slide4.xml><?xml version="1.0" encoding="utf-8"?>
 <p:sld xmlns:a="http://schemas.openxmlformats.org/drawingml/2006/main" xmlns:r="http://schemas.openxmlformats.org/officeDocument/2006/relationships" xmlns:p="http://schemas.openxmlformats.org/presentationml/2006/main">
   <p:cSld>
     <p:spTree>
@@ -3673,240 +4814,6 @@
 </p:sld>
 </file>
 
-<file path=ppt/slides/slide4.xml><?xml version="1.0" encoding="utf-8"?>
-<p:sld xmlns:a="http://schemas.openxmlformats.org/drawingml/2006/main" xmlns:r="http://schemas.openxmlformats.org/officeDocument/2006/relationships" xmlns:p="http://schemas.openxmlformats.org/presentationml/2006/main">
-  <p:cSld>
-    <p:spTree>
-      <p:nvGrpSpPr>
-        <p:cNvPr id="1" name=""/>
-        <p:cNvGrpSpPr/>
-        <p:nvPr/>
-      </p:nvGrpSpPr>
-      <p:grpSpPr>
-        <a:xfrm>
-          <a:off x="0" y="0"/>
-          <a:ext cx="0" cy="0"/>
-          <a:chOff x="0" y="0"/>
-          <a:chExt cx="0" cy="0"/>
-        </a:xfrm>
-      </p:grpSpPr>
-      <p:sp>
-        <p:nvSpPr>
-          <p:cNvPr id="2" name="Title 1">
-            <a:extLst>
-              <a:ext uri="{FF2B5EF4-FFF2-40B4-BE49-F238E27FC236}">
-                <a16:creationId xmlns:a16="http://schemas.microsoft.com/office/drawing/2014/main" id="{66145027-ADBA-002A-FA09-860888209978}"/>
-              </a:ext>
-            </a:extLst>
-          </p:cNvPr>
-          <p:cNvSpPr>
-            <a:spLocks noGrp="1"/>
-          </p:cNvSpPr>
-          <p:nvPr>
-            <p:ph type="title"/>
-          </p:nvPr>
-        </p:nvSpPr>
-        <p:spPr/>
-        <p:txBody>
-          <a:bodyPr/>
-          <a:lstStyle/>
-          <a:p>
-            <a:r>
-              <a:rPr lang="en-US" dirty="0"/>
-              <a:t>Aim 1: Odor tuning</a:t>
-            </a:r>
-          </a:p>
-        </p:txBody>
-      </p:sp>
-      <p:sp>
-        <p:nvSpPr>
-          <p:cNvPr id="3" name="Content Placeholder 2">
-            <a:extLst>
-              <a:ext uri="{FF2B5EF4-FFF2-40B4-BE49-F238E27FC236}">
-                <a16:creationId xmlns:a16="http://schemas.microsoft.com/office/drawing/2014/main" id="{68F1F1C6-2FF7-3CE4-036B-EDD94B2EF337}"/>
-              </a:ext>
-            </a:extLst>
-          </p:cNvPr>
-          <p:cNvSpPr>
-            <a:spLocks noGrp="1"/>
-          </p:cNvSpPr>
-          <p:nvPr>
-            <p:ph idx="1"/>
-          </p:nvPr>
-        </p:nvSpPr>
-        <p:spPr/>
-        <p:txBody>
-          <a:bodyPr/>
-          <a:lstStyle/>
-          <a:p>
-            <a:r>
-              <a:rPr lang="en-US" dirty="0"/>
-              <a:t>Mouse 3</a:t>
-            </a:r>
-            <a:br>
-              <a:rPr lang="en-US" dirty="0"/>
-            </a:br>
-            <a:r>
-              <a:rPr lang="en-US" dirty="0"/>
-              <a:t>164 neurons</a:t>
-            </a:r>
-          </a:p>
-        </p:txBody>
-      </p:sp>
-      <p:pic>
-        <p:nvPicPr>
-          <p:cNvPr id="3073" name="Picture 1">
-            <a:extLst>
-              <a:ext uri="{FF2B5EF4-FFF2-40B4-BE49-F238E27FC236}">
-                <a16:creationId xmlns:a16="http://schemas.microsoft.com/office/drawing/2014/main" id="{E89A6ADE-0D77-E14C-6D3F-1A5579867C85}"/>
-              </a:ext>
-            </a:extLst>
-          </p:cNvPr>
-          <p:cNvPicPr>
-            <a:picLocks noChangeAspect="1" noChangeArrowheads="1"/>
-          </p:cNvPicPr>
-          <p:nvPr/>
-        </p:nvPicPr>
-        <p:blipFill>
-          <a:blip r:embed="rId2">
-            <a:extLst>
-              <a:ext uri="{28A0092B-C50C-407E-A947-70E740481C1C}">
-                <a14:useLocalDpi xmlns:a14="http://schemas.microsoft.com/office/drawing/2010/main" val="0"/>
-              </a:ext>
-            </a:extLst>
-          </a:blip>
-          <a:srcRect/>
-          <a:stretch>
-            <a:fillRect/>
-          </a:stretch>
-        </p:blipFill>
-        <p:spPr bwMode="auto">
-          <a:xfrm>
-            <a:off x="1485900" y="2833688"/>
-            <a:ext cx="5038725" cy="3781425"/>
-          </a:xfrm>
-          <a:prstGeom prst="rect">
-            <a:avLst/>
-          </a:prstGeom>
-          <a:noFill/>
-          <a:extLst>
-            <a:ext uri="{909E8E84-426E-40DD-AFC4-6F175D3DCCD1}">
-              <a14:hiddenFill xmlns:a14="http://schemas.microsoft.com/office/drawing/2010/main">
-                <a:solidFill>
-                  <a:srgbClr val="FFFFFF"/>
-                </a:solidFill>
-              </a14:hiddenFill>
-            </a:ext>
-          </a:extLst>
-        </p:spPr>
-      </p:pic>
-      <p:pic>
-        <p:nvPicPr>
-          <p:cNvPr id="3074" name="Picture 2">
-            <a:extLst>
-              <a:ext uri="{FF2B5EF4-FFF2-40B4-BE49-F238E27FC236}">
-                <a16:creationId xmlns:a16="http://schemas.microsoft.com/office/drawing/2014/main" id="{8FC0E7EF-A7AC-504F-A29F-722BD3283A39}"/>
-              </a:ext>
-            </a:extLst>
-          </p:cNvPr>
-          <p:cNvPicPr>
-            <a:picLocks noChangeAspect="1" noChangeArrowheads="1"/>
-          </p:cNvPicPr>
-          <p:nvPr/>
-        </p:nvPicPr>
-        <p:blipFill>
-          <a:blip r:embed="rId3">
-            <a:extLst>
-              <a:ext uri="{28A0092B-C50C-407E-A947-70E740481C1C}">
-                <a14:useLocalDpi xmlns:a14="http://schemas.microsoft.com/office/drawing/2010/main" val="0"/>
-              </a:ext>
-            </a:extLst>
-          </a:blip>
-          <a:srcRect/>
-          <a:stretch>
-            <a:fillRect/>
-          </a:stretch>
-        </p:blipFill>
-        <p:spPr bwMode="auto">
-          <a:xfrm>
-            <a:off x="7572375" y="406697"/>
-            <a:ext cx="3781425" cy="2837856"/>
-          </a:xfrm>
-          <a:prstGeom prst="rect">
-            <a:avLst/>
-          </a:prstGeom>
-          <a:noFill/>
-          <a:extLst>
-            <a:ext uri="{909E8E84-426E-40DD-AFC4-6F175D3DCCD1}">
-              <a14:hiddenFill xmlns:a14="http://schemas.microsoft.com/office/drawing/2010/main">
-                <a:solidFill>
-                  <a:srgbClr val="FFFFFF"/>
-                </a:solidFill>
-              </a14:hiddenFill>
-            </a:ext>
-          </a:extLst>
-        </p:spPr>
-      </p:pic>
-      <p:pic>
-        <p:nvPicPr>
-          <p:cNvPr id="3075" name="Picture 3">
-            <a:extLst>
-              <a:ext uri="{FF2B5EF4-FFF2-40B4-BE49-F238E27FC236}">
-                <a16:creationId xmlns:a16="http://schemas.microsoft.com/office/drawing/2014/main" id="{EC50A466-71B1-2D7F-032F-6AFA8AD61B9A}"/>
-              </a:ext>
-            </a:extLst>
-          </p:cNvPr>
-          <p:cNvPicPr>
-            <a:picLocks noChangeAspect="1" noChangeArrowheads="1"/>
-          </p:cNvPicPr>
-          <p:nvPr/>
-        </p:nvPicPr>
-        <p:blipFill>
-          <a:blip r:embed="rId4">
-            <a:extLst>
-              <a:ext uri="{28A0092B-C50C-407E-A947-70E740481C1C}">
-                <a14:useLocalDpi xmlns:a14="http://schemas.microsoft.com/office/drawing/2010/main" val="0"/>
-              </a:ext>
-            </a:extLst>
-          </a:blip>
-          <a:srcRect/>
-          <a:stretch>
-            <a:fillRect/>
-          </a:stretch>
-        </p:blipFill>
-        <p:spPr bwMode="auto">
-          <a:xfrm>
-            <a:off x="7572375" y="3558182"/>
-            <a:ext cx="3781425" cy="2837856"/>
-          </a:xfrm>
-          <a:prstGeom prst="rect">
-            <a:avLst/>
-          </a:prstGeom>
-          <a:noFill/>
-          <a:extLst>
-            <a:ext uri="{909E8E84-426E-40DD-AFC4-6F175D3DCCD1}">
-              <a14:hiddenFill xmlns:a14="http://schemas.microsoft.com/office/drawing/2010/main">
-                <a:solidFill>
-                  <a:srgbClr val="FFFFFF"/>
-                </a:solidFill>
-              </a14:hiddenFill>
-            </a:ext>
-          </a:extLst>
-        </p:spPr>
-      </p:pic>
-    </p:spTree>
-    <p:extLst>
-      <p:ext uri="{BB962C8B-B14F-4D97-AF65-F5344CB8AC3E}">
-        <p14:creationId xmlns:p14="http://schemas.microsoft.com/office/powerpoint/2010/main" val="329762587"/>
-      </p:ext>
-    </p:extLst>
-  </p:cSld>
-  <p:clrMapOvr>
-    <a:masterClrMapping/>
-  </p:clrMapOvr>
-</p:sld>
-</file>
-
 <file path=ppt/slides/slide5.xml><?xml version="1.0" encoding="utf-8"?>
 <p:sld xmlns:a="http://schemas.openxmlformats.org/drawingml/2006/main" xmlns:r="http://schemas.openxmlformats.org/officeDocument/2006/relationships" xmlns:p="http://schemas.openxmlformats.org/presentationml/2006/main">
   <p:cSld>
@@ -3975,7 +4882,7 @@
           <a:p>
             <a:r>
               <a:rPr lang="en-US" dirty="0"/>
-              <a:t>Mouse 4 </a:t>
+              <a:t>Mouse 3 </a:t>
             </a:r>
             <a:br>
               <a:rPr lang="en-US" dirty="0"/>
@@ -4038,6 +4945,1131 @@
     <p:extLst>
       <p:ext uri="{BB962C8B-B14F-4D97-AF65-F5344CB8AC3E}">
         <p14:creationId xmlns:p14="http://schemas.microsoft.com/office/powerpoint/2010/main" val="3403843576"/>
+      </p:ext>
+    </p:extLst>
+  </p:cSld>
+  <p:clrMapOvr>
+    <a:masterClrMapping/>
+  </p:clrMapOvr>
+</p:sld>
+</file>
+
+<file path=ppt/slides/slide6.xml><?xml version="1.0" encoding="utf-8"?>
+<p:sld xmlns:a="http://schemas.openxmlformats.org/drawingml/2006/main" xmlns:r="http://schemas.openxmlformats.org/officeDocument/2006/relationships" xmlns:p="http://schemas.openxmlformats.org/presentationml/2006/main">
+  <p:cSld>
+    <p:spTree>
+      <p:nvGrpSpPr>
+        <p:cNvPr id="1" name=""/>
+        <p:cNvGrpSpPr/>
+        <p:nvPr/>
+      </p:nvGrpSpPr>
+      <p:grpSpPr>
+        <a:xfrm>
+          <a:off x="0" y="0"/>
+          <a:ext cx="0" cy="0"/>
+          <a:chOff x="0" y="0"/>
+          <a:chExt cx="0" cy="0"/>
+        </a:xfrm>
+      </p:grpSpPr>
+      <p:pic>
+        <p:nvPicPr>
+          <p:cNvPr id="13" name="Picture 12">
+            <a:extLst>
+              <a:ext uri="{FF2B5EF4-FFF2-40B4-BE49-F238E27FC236}">
+                <a16:creationId xmlns:a16="http://schemas.microsoft.com/office/drawing/2014/main" id="{6BC01FC6-C2BC-0761-0C27-8176FF8F52B2}"/>
+              </a:ext>
+            </a:extLst>
+          </p:cNvPr>
+          <p:cNvPicPr>
+            <a:picLocks noChangeAspect="1"/>
+          </p:cNvPicPr>
+          <p:nvPr/>
+        </p:nvPicPr>
+        <p:blipFill>
+          <a:blip r:embed="rId3"/>
+          <a:stretch>
+            <a:fillRect/>
+          </a:stretch>
+        </p:blipFill>
+        <p:spPr>
+          <a:xfrm>
+            <a:off x="942249" y="1322911"/>
+            <a:ext cx="4791749" cy="1609259"/>
+          </a:xfrm>
+          <a:prstGeom prst="rect">
+            <a:avLst/>
+          </a:prstGeom>
+        </p:spPr>
+      </p:pic>
+      <p:pic>
+        <p:nvPicPr>
+          <p:cNvPr id="1026" name="Picture 2">
+            <a:extLst>
+              <a:ext uri="{FF2B5EF4-FFF2-40B4-BE49-F238E27FC236}">
+                <a16:creationId xmlns:a16="http://schemas.microsoft.com/office/drawing/2014/main" id="{6E971A6D-3411-A839-87A7-8E0C90E9EB35}"/>
+              </a:ext>
+            </a:extLst>
+          </p:cNvPr>
+          <p:cNvPicPr>
+            <a:picLocks noChangeAspect="1" noChangeArrowheads="1"/>
+          </p:cNvPicPr>
+          <p:nvPr/>
+        </p:nvPicPr>
+        <p:blipFill>
+          <a:blip r:embed="rId4">
+            <a:extLst>
+              <a:ext uri="{28A0092B-C50C-407E-A947-70E740481C1C}">
+                <a14:useLocalDpi xmlns:a14="http://schemas.microsoft.com/office/drawing/2010/main" val="0"/>
+              </a:ext>
+            </a:extLst>
+          </a:blip>
+          <a:srcRect/>
+          <a:stretch>
+            <a:fillRect/>
+          </a:stretch>
+        </p:blipFill>
+        <p:spPr bwMode="auto">
+          <a:xfrm>
+            <a:off x="8891768" y="493627"/>
+            <a:ext cx="2641870" cy="1980000"/>
+          </a:xfrm>
+          <a:prstGeom prst="rect">
+            <a:avLst/>
+          </a:prstGeom>
+          <a:noFill/>
+          <a:extLst>
+            <a:ext uri="{909E8E84-426E-40DD-AFC4-6F175D3DCCD1}">
+              <a14:hiddenFill xmlns:a14="http://schemas.microsoft.com/office/drawing/2010/main">
+                <a:solidFill>
+                  <a:srgbClr val="FFFFFF"/>
+                </a:solidFill>
+              </a14:hiddenFill>
+            </a:ext>
+          </a:extLst>
+        </p:spPr>
+      </p:pic>
+      <p:pic>
+        <p:nvPicPr>
+          <p:cNvPr id="1027" name="Picture 3">
+            <a:extLst>
+              <a:ext uri="{FF2B5EF4-FFF2-40B4-BE49-F238E27FC236}">
+                <a16:creationId xmlns:a16="http://schemas.microsoft.com/office/drawing/2014/main" id="{D4F9806B-D607-B547-CBB9-614B29AE9F1B}"/>
+              </a:ext>
+            </a:extLst>
+          </p:cNvPr>
+          <p:cNvPicPr>
+            <a:picLocks noChangeAspect="1" noChangeArrowheads="1"/>
+          </p:cNvPicPr>
+          <p:nvPr/>
+        </p:nvPicPr>
+        <p:blipFill>
+          <a:blip r:embed="rId5">
+            <a:extLst>
+              <a:ext uri="{28A0092B-C50C-407E-A947-70E740481C1C}">
+                <a14:useLocalDpi xmlns:a14="http://schemas.microsoft.com/office/drawing/2010/main" val="0"/>
+              </a:ext>
+            </a:extLst>
+          </a:blip>
+          <a:srcRect/>
+          <a:stretch>
+            <a:fillRect/>
+          </a:stretch>
+        </p:blipFill>
+        <p:spPr bwMode="auto">
+          <a:xfrm>
+            <a:off x="6096000" y="493627"/>
+            <a:ext cx="2641870" cy="1980000"/>
+          </a:xfrm>
+          <a:prstGeom prst="rect">
+            <a:avLst/>
+          </a:prstGeom>
+          <a:noFill/>
+          <a:extLst>
+            <a:ext uri="{909E8E84-426E-40DD-AFC4-6F175D3DCCD1}">
+              <a14:hiddenFill xmlns:a14="http://schemas.microsoft.com/office/drawing/2010/main">
+                <a:solidFill>
+                  <a:srgbClr val="FFFFFF"/>
+                </a:solidFill>
+              </a14:hiddenFill>
+            </a:ext>
+          </a:extLst>
+        </p:spPr>
+      </p:pic>
+      <p:pic>
+        <p:nvPicPr>
+          <p:cNvPr id="17" name="Picture 16">
+            <a:extLst>
+              <a:ext uri="{FF2B5EF4-FFF2-40B4-BE49-F238E27FC236}">
+                <a16:creationId xmlns:a16="http://schemas.microsoft.com/office/drawing/2014/main" id="{C79B9EB4-5B64-CB90-1D59-40876081BD4F}"/>
+              </a:ext>
+            </a:extLst>
+          </p:cNvPr>
+          <p:cNvPicPr>
+            <a:picLocks noChangeAspect="1"/>
+          </p:cNvPicPr>
+          <p:nvPr/>
+        </p:nvPicPr>
+        <p:blipFill>
+          <a:blip r:embed="rId6"/>
+          <a:stretch>
+            <a:fillRect/>
+          </a:stretch>
+        </p:blipFill>
+        <p:spPr>
+          <a:xfrm>
+            <a:off x="537355" y="3220431"/>
+            <a:ext cx="5196643" cy="3382660"/>
+          </a:xfrm>
+          <a:prstGeom prst="rect">
+            <a:avLst/>
+          </a:prstGeom>
+        </p:spPr>
+      </p:pic>
+      <p:sp>
+        <p:nvSpPr>
+          <p:cNvPr id="18" name="TextBox 17">
+            <a:extLst>
+              <a:ext uri="{FF2B5EF4-FFF2-40B4-BE49-F238E27FC236}">
+                <a16:creationId xmlns:a16="http://schemas.microsoft.com/office/drawing/2014/main" id="{B4F74A34-7E2D-2883-E381-73C016D335BC}"/>
+              </a:ext>
+            </a:extLst>
+          </p:cNvPr>
+          <p:cNvSpPr txBox="1"/>
+          <p:nvPr/>
+        </p:nvSpPr>
+        <p:spPr>
+          <a:xfrm>
+            <a:off x="6333457" y="192123"/>
+            <a:ext cx="1772408" cy="307777"/>
+          </a:xfrm>
+          <a:prstGeom prst="rect">
+            <a:avLst/>
+          </a:prstGeom>
+          <a:noFill/>
+        </p:spPr>
+        <p:txBody>
+          <a:bodyPr wrap="none" rtlCol="0">
+            <a:spAutoFit/>
+          </a:bodyPr>
+          <a:lstStyle/>
+          <a:p>
+            <a:r>
+              <a:rPr lang="en-US" sz="1400" dirty="0"/>
+              <a:t>Neuron 2, OSI = 0.61</a:t>
+            </a:r>
+          </a:p>
+        </p:txBody>
+      </p:sp>
+      <p:pic>
+        <p:nvPicPr>
+          <p:cNvPr id="1029" name="Picture 5">
+            <a:extLst>
+              <a:ext uri="{FF2B5EF4-FFF2-40B4-BE49-F238E27FC236}">
+                <a16:creationId xmlns:a16="http://schemas.microsoft.com/office/drawing/2014/main" id="{1C88F773-FEF4-F33D-A87F-C8434E7688F2}"/>
+              </a:ext>
+            </a:extLst>
+          </p:cNvPr>
+          <p:cNvPicPr>
+            <a:picLocks noChangeAspect="1" noChangeArrowheads="1"/>
+          </p:cNvPicPr>
+          <p:nvPr/>
+        </p:nvPicPr>
+        <p:blipFill>
+          <a:blip r:embed="rId7">
+            <a:extLst>
+              <a:ext uri="{28A0092B-C50C-407E-A947-70E740481C1C}">
+                <a14:useLocalDpi xmlns:a14="http://schemas.microsoft.com/office/drawing/2010/main" val="0"/>
+              </a:ext>
+            </a:extLst>
+          </a:blip>
+          <a:srcRect/>
+          <a:stretch>
+            <a:fillRect/>
+          </a:stretch>
+        </p:blipFill>
+        <p:spPr bwMode="auto">
+          <a:xfrm>
+            <a:off x="6096000" y="2589752"/>
+            <a:ext cx="2640000" cy="1980000"/>
+          </a:xfrm>
+          <a:prstGeom prst="rect">
+            <a:avLst/>
+          </a:prstGeom>
+          <a:noFill/>
+          <a:extLst>
+            <a:ext uri="{909E8E84-426E-40DD-AFC4-6F175D3DCCD1}">
+              <a14:hiddenFill xmlns:a14="http://schemas.microsoft.com/office/drawing/2010/main">
+                <a:solidFill>
+                  <a:srgbClr val="FFFFFF"/>
+                </a:solidFill>
+              </a14:hiddenFill>
+            </a:ext>
+          </a:extLst>
+        </p:spPr>
+      </p:pic>
+      <p:pic>
+        <p:nvPicPr>
+          <p:cNvPr id="1030" name="Picture 6">
+            <a:extLst>
+              <a:ext uri="{FF2B5EF4-FFF2-40B4-BE49-F238E27FC236}">
+                <a16:creationId xmlns:a16="http://schemas.microsoft.com/office/drawing/2014/main" id="{997BB08C-11D7-3551-9293-8A5F2E4A8953}"/>
+              </a:ext>
+            </a:extLst>
+          </p:cNvPr>
+          <p:cNvPicPr>
+            <a:picLocks noChangeAspect="1" noChangeArrowheads="1"/>
+          </p:cNvPicPr>
+          <p:nvPr/>
+        </p:nvPicPr>
+        <p:blipFill>
+          <a:blip r:embed="rId8">
+            <a:extLst>
+              <a:ext uri="{28A0092B-C50C-407E-A947-70E740481C1C}">
+                <a14:useLocalDpi xmlns:a14="http://schemas.microsoft.com/office/drawing/2010/main" val="0"/>
+              </a:ext>
+            </a:extLst>
+          </a:blip>
+          <a:srcRect/>
+          <a:stretch>
+            <a:fillRect/>
+          </a:stretch>
+        </p:blipFill>
+        <p:spPr bwMode="auto">
+          <a:xfrm>
+            <a:off x="8891768" y="2589752"/>
+            <a:ext cx="2640000" cy="1980000"/>
+          </a:xfrm>
+          <a:prstGeom prst="rect">
+            <a:avLst/>
+          </a:prstGeom>
+          <a:noFill/>
+          <a:extLst>
+            <a:ext uri="{909E8E84-426E-40DD-AFC4-6F175D3DCCD1}">
+              <a14:hiddenFill xmlns:a14="http://schemas.microsoft.com/office/drawing/2010/main">
+                <a:solidFill>
+                  <a:srgbClr val="FFFFFF"/>
+                </a:solidFill>
+              </a14:hiddenFill>
+            </a:ext>
+          </a:extLst>
+        </p:spPr>
+      </p:pic>
+      <p:sp>
+        <p:nvSpPr>
+          <p:cNvPr id="19" name="TextBox 18">
+            <a:extLst>
+              <a:ext uri="{FF2B5EF4-FFF2-40B4-BE49-F238E27FC236}">
+                <a16:creationId xmlns:a16="http://schemas.microsoft.com/office/drawing/2014/main" id="{825EA5ED-7482-D2A3-2F05-0D84C10257E9}"/>
+              </a:ext>
+            </a:extLst>
+          </p:cNvPr>
+          <p:cNvSpPr txBox="1"/>
+          <p:nvPr/>
+        </p:nvSpPr>
+        <p:spPr>
+          <a:xfrm>
+            <a:off x="786481" y="2912654"/>
+            <a:ext cx="1772408" cy="307777"/>
+          </a:xfrm>
+          <a:prstGeom prst="rect">
+            <a:avLst/>
+          </a:prstGeom>
+          <a:noFill/>
+        </p:spPr>
+        <p:txBody>
+          <a:bodyPr wrap="none" rtlCol="0">
+            <a:spAutoFit/>
+          </a:bodyPr>
+          <a:lstStyle/>
+          <a:p>
+            <a:r>
+              <a:rPr lang="en-US" sz="1400" dirty="0"/>
+              <a:t>Neuron 70, OSI = 0.4</a:t>
+            </a:r>
+          </a:p>
+        </p:txBody>
+      </p:sp>
+      <p:sp>
+        <p:nvSpPr>
+          <p:cNvPr id="21" name="TextBox 20">
+            <a:extLst>
+              <a:ext uri="{FF2B5EF4-FFF2-40B4-BE49-F238E27FC236}">
+                <a16:creationId xmlns:a16="http://schemas.microsoft.com/office/drawing/2014/main" id="{4644DEDF-FB3A-D022-B1D5-8131658769CC}"/>
+              </a:ext>
+            </a:extLst>
+          </p:cNvPr>
+          <p:cNvSpPr txBox="1"/>
+          <p:nvPr/>
+        </p:nvSpPr>
+        <p:spPr>
+          <a:xfrm>
+            <a:off x="658362" y="362487"/>
+            <a:ext cx="6093822" cy="707886"/>
+          </a:xfrm>
+          <a:prstGeom prst="rect">
+            <a:avLst/>
+          </a:prstGeom>
+          <a:noFill/>
+        </p:spPr>
+        <p:txBody>
+          <a:bodyPr wrap="square">
+            <a:spAutoFit/>
+          </a:bodyPr>
+          <a:lstStyle/>
+          <a:p>
+            <a:r>
+              <a:rPr lang="en-US" sz="2000" b="1" dirty="0"/>
+              <a:t>From Broad to Sharp: Tuning Curves across Selectivity Spectrum</a:t>
+            </a:r>
+          </a:p>
+        </p:txBody>
+      </p:sp>
+      <p:pic>
+        <p:nvPicPr>
+          <p:cNvPr id="1033" name="Picture 9">
+            <a:extLst>
+              <a:ext uri="{FF2B5EF4-FFF2-40B4-BE49-F238E27FC236}">
+                <a16:creationId xmlns:a16="http://schemas.microsoft.com/office/drawing/2014/main" id="{92F60C0C-C53A-8413-2859-AE4F043A34C6}"/>
+              </a:ext>
+            </a:extLst>
+          </p:cNvPr>
+          <p:cNvPicPr>
+            <a:picLocks noChangeAspect="1" noChangeArrowheads="1"/>
+          </p:cNvPicPr>
+          <p:nvPr/>
+        </p:nvPicPr>
+        <p:blipFill>
+          <a:blip r:embed="rId9">
+            <a:extLst>
+              <a:ext uri="{28A0092B-C50C-407E-A947-70E740481C1C}">
+                <a14:useLocalDpi xmlns:a14="http://schemas.microsoft.com/office/drawing/2010/main" val="0"/>
+              </a:ext>
+            </a:extLst>
+          </a:blip>
+          <a:srcRect/>
+          <a:stretch>
+            <a:fillRect/>
+          </a:stretch>
+        </p:blipFill>
+        <p:spPr bwMode="auto">
+          <a:xfrm>
+            <a:off x="6096000" y="4685877"/>
+            <a:ext cx="2640000" cy="1980000"/>
+          </a:xfrm>
+          <a:prstGeom prst="rect">
+            <a:avLst/>
+          </a:prstGeom>
+          <a:noFill/>
+          <a:extLst>
+            <a:ext uri="{909E8E84-426E-40DD-AFC4-6F175D3DCCD1}">
+              <a14:hiddenFill xmlns:a14="http://schemas.microsoft.com/office/drawing/2010/main">
+                <a:solidFill>
+                  <a:srgbClr val="FFFFFF"/>
+                </a:solidFill>
+              </a14:hiddenFill>
+            </a:ext>
+          </a:extLst>
+        </p:spPr>
+      </p:pic>
+      <p:pic>
+        <p:nvPicPr>
+          <p:cNvPr id="1034" name="Picture 10">
+            <a:extLst>
+              <a:ext uri="{FF2B5EF4-FFF2-40B4-BE49-F238E27FC236}">
+                <a16:creationId xmlns:a16="http://schemas.microsoft.com/office/drawing/2014/main" id="{B010DDDD-AE35-8EC1-271E-197DA44F765C}"/>
+              </a:ext>
+            </a:extLst>
+          </p:cNvPr>
+          <p:cNvPicPr>
+            <a:picLocks noChangeAspect="1" noChangeArrowheads="1"/>
+          </p:cNvPicPr>
+          <p:nvPr/>
+        </p:nvPicPr>
+        <p:blipFill>
+          <a:blip r:embed="rId10">
+            <a:extLst>
+              <a:ext uri="{28A0092B-C50C-407E-A947-70E740481C1C}">
+                <a14:useLocalDpi xmlns:a14="http://schemas.microsoft.com/office/drawing/2010/main" val="0"/>
+              </a:ext>
+            </a:extLst>
+          </a:blip>
+          <a:srcRect/>
+          <a:stretch>
+            <a:fillRect/>
+          </a:stretch>
+        </p:blipFill>
+        <p:spPr bwMode="auto">
+          <a:xfrm>
+            <a:off x="8891768" y="4685877"/>
+            <a:ext cx="2640000" cy="1980000"/>
+          </a:xfrm>
+          <a:prstGeom prst="rect">
+            <a:avLst/>
+          </a:prstGeom>
+          <a:noFill/>
+          <a:extLst>
+            <a:ext uri="{909E8E84-426E-40DD-AFC4-6F175D3DCCD1}">
+              <a14:hiddenFill xmlns:a14="http://schemas.microsoft.com/office/drawing/2010/main">
+                <a:solidFill>
+                  <a:srgbClr val="FFFFFF"/>
+                </a:solidFill>
+              </a14:hiddenFill>
+            </a:ext>
+          </a:extLst>
+        </p:spPr>
+      </p:pic>
+    </p:spTree>
+    <p:extLst>
+      <p:ext uri="{BB962C8B-B14F-4D97-AF65-F5344CB8AC3E}">
+        <p14:creationId xmlns:p14="http://schemas.microsoft.com/office/powerpoint/2010/main" val="3341088193"/>
+      </p:ext>
+    </p:extLst>
+  </p:cSld>
+  <p:clrMapOvr>
+    <a:masterClrMapping/>
+  </p:clrMapOvr>
+</p:sld>
+</file>
+
+<file path=ppt/slides/slide7.xml><?xml version="1.0" encoding="utf-8"?>
+<p:sld xmlns:a="http://schemas.openxmlformats.org/drawingml/2006/main" xmlns:r="http://schemas.openxmlformats.org/officeDocument/2006/relationships" xmlns:p="http://schemas.openxmlformats.org/presentationml/2006/main">
+  <p:cSld>
+    <p:spTree>
+      <p:nvGrpSpPr>
+        <p:cNvPr id="1" name=""/>
+        <p:cNvGrpSpPr/>
+        <p:nvPr/>
+      </p:nvGrpSpPr>
+      <p:grpSpPr>
+        <a:xfrm>
+          <a:off x="0" y="0"/>
+          <a:ext cx="0" cy="0"/>
+          <a:chOff x="0" y="0"/>
+          <a:chExt cx="0" cy="0"/>
+        </a:xfrm>
+      </p:grpSpPr>
+      <p:sp>
+        <p:nvSpPr>
+          <p:cNvPr id="3" name="Content Placeholder 2">
+            <a:extLst>
+              <a:ext uri="{FF2B5EF4-FFF2-40B4-BE49-F238E27FC236}">
+                <a16:creationId xmlns:a16="http://schemas.microsoft.com/office/drawing/2014/main" id="{93AC02AE-40D9-387C-7842-B0C4D7485845}"/>
+              </a:ext>
+            </a:extLst>
+          </p:cNvPr>
+          <p:cNvSpPr>
+            <a:spLocks noGrp="1"/>
+          </p:cNvSpPr>
+          <p:nvPr>
+            <p:ph idx="1"/>
+          </p:nvPr>
+        </p:nvSpPr>
+        <p:spPr>
+          <a:xfrm>
+            <a:off x="838200" y="3089140"/>
+            <a:ext cx="10515600" cy="2698595"/>
+          </a:xfrm>
+        </p:spPr>
+        <p:txBody>
+          <a:bodyPr>
+            <a:normAutofit lnSpcReduction="10000"/>
+          </a:bodyPr>
+          <a:lstStyle/>
+          <a:p>
+            <a:r>
+              <a:rPr lang="en-US" dirty="0"/>
+              <a:t>For mouse 3, interestingly, CV heatmap visualization revealed that odor 3 and odor 7 elicited more stable responses across a larger number of neurons. This is evident from the overall lower CV values in their corresponding columns, suggesting that these odors may recruit more consistent encoding patterns across the piriform cortex population</a:t>
+            </a:r>
+          </a:p>
+          <a:p>
+            <a:r>
+              <a:rPr lang="en-US" dirty="0"/>
+              <a:t>Each mouse has different odor preference.</a:t>
+            </a:r>
+          </a:p>
+          <a:p>
+            <a:endParaRPr lang="en-US" dirty="0"/>
+          </a:p>
+        </p:txBody>
+      </p:sp>
+      <p:pic>
+        <p:nvPicPr>
+          <p:cNvPr id="2049" name="Picture 1">
+            <a:extLst>
+              <a:ext uri="{FF2B5EF4-FFF2-40B4-BE49-F238E27FC236}">
+                <a16:creationId xmlns:a16="http://schemas.microsoft.com/office/drawing/2014/main" id="{A48E42CC-934F-B111-A0B7-BA3A39058CE9}"/>
+              </a:ext>
+            </a:extLst>
+          </p:cNvPr>
+          <p:cNvPicPr>
+            <a:picLocks noChangeAspect="1" noChangeArrowheads="1"/>
+          </p:cNvPicPr>
+          <p:nvPr/>
+        </p:nvPicPr>
+        <p:blipFill>
+          <a:blip r:embed="rId2">
+            <a:extLst>
+              <a:ext uri="{28A0092B-C50C-407E-A947-70E740481C1C}">
+                <a14:useLocalDpi xmlns:a14="http://schemas.microsoft.com/office/drawing/2010/main" val="0"/>
+              </a:ext>
+            </a:extLst>
+          </a:blip>
+          <a:srcRect/>
+          <a:stretch>
+            <a:fillRect/>
+          </a:stretch>
+        </p:blipFill>
+        <p:spPr bwMode="auto">
+          <a:xfrm>
+            <a:off x="8471725" y="492270"/>
+            <a:ext cx="2882075" cy="2160000"/>
+          </a:xfrm>
+          <a:prstGeom prst="rect">
+            <a:avLst/>
+          </a:prstGeom>
+          <a:noFill/>
+          <a:extLst>
+            <a:ext uri="{909E8E84-426E-40DD-AFC4-6F175D3DCCD1}">
+              <a14:hiddenFill xmlns:a14="http://schemas.microsoft.com/office/drawing/2010/main">
+                <a:solidFill>
+                  <a:srgbClr val="FFFFFF"/>
+                </a:solidFill>
+              </a14:hiddenFill>
+            </a:ext>
+          </a:extLst>
+        </p:spPr>
+      </p:pic>
+      <p:pic>
+        <p:nvPicPr>
+          <p:cNvPr id="2050" name="Picture 2">
+            <a:extLst>
+              <a:ext uri="{FF2B5EF4-FFF2-40B4-BE49-F238E27FC236}">
+                <a16:creationId xmlns:a16="http://schemas.microsoft.com/office/drawing/2014/main" id="{C831AA0F-167A-0304-2D3C-4A6B27705E04}"/>
+              </a:ext>
+            </a:extLst>
+          </p:cNvPr>
+          <p:cNvPicPr>
+            <a:picLocks noChangeAspect="1" noChangeArrowheads="1"/>
+          </p:cNvPicPr>
+          <p:nvPr/>
+        </p:nvPicPr>
+        <p:blipFill>
+          <a:blip r:embed="rId3">
+            <a:extLst>
+              <a:ext uri="{28A0092B-C50C-407E-A947-70E740481C1C}">
+                <a14:useLocalDpi xmlns:a14="http://schemas.microsoft.com/office/drawing/2010/main" val="0"/>
+              </a:ext>
+            </a:extLst>
+          </a:blip>
+          <a:srcRect/>
+          <a:stretch>
+            <a:fillRect/>
+          </a:stretch>
+        </p:blipFill>
+        <p:spPr bwMode="auto">
+          <a:xfrm>
+            <a:off x="651493" y="474731"/>
+            <a:ext cx="2882075" cy="2160000"/>
+          </a:xfrm>
+          <a:prstGeom prst="rect">
+            <a:avLst/>
+          </a:prstGeom>
+          <a:noFill/>
+          <a:extLst>
+            <a:ext uri="{909E8E84-426E-40DD-AFC4-6F175D3DCCD1}">
+              <a14:hiddenFill xmlns:a14="http://schemas.microsoft.com/office/drawing/2010/main">
+                <a:solidFill>
+                  <a:srgbClr val="FFFFFF"/>
+                </a:solidFill>
+              </a14:hiddenFill>
+            </a:ext>
+          </a:extLst>
+        </p:spPr>
+      </p:pic>
+      <p:pic>
+        <p:nvPicPr>
+          <p:cNvPr id="2051" name="Picture 3">
+            <a:extLst>
+              <a:ext uri="{FF2B5EF4-FFF2-40B4-BE49-F238E27FC236}">
+                <a16:creationId xmlns:a16="http://schemas.microsoft.com/office/drawing/2014/main" id="{946E9658-6B6E-DD90-BDC0-E93D880DC0D0}"/>
+              </a:ext>
+            </a:extLst>
+          </p:cNvPr>
+          <p:cNvPicPr>
+            <a:picLocks noChangeAspect="1" noChangeArrowheads="1"/>
+          </p:cNvPicPr>
+          <p:nvPr/>
+        </p:nvPicPr>
+        <p:blipFill>
+          <a:blip r:embed="rId4">
+            <a:extLst>
+              <a:ext uri="{28A0092B-C50C-407E-A947-70E740481C1C}">
+                <a14:useLocalDpi xmlns:a14="http://schemas.microsoft.com/office/drawing/2010/main" val="0"/>
+              </a:ext>
+            </a:extLst>
+          </a:blip>
+          <a:srcRect/>
+          <a:stretch>
+            <a:fillRect/>
+          </a:stretch>
+        </p:blipFill>
+        <p:spPr bwMode="auto">
+          <a:xfrm>
+            <a:off x="4561609" y="492270"/>
+            <a:ext cx="2882075" cy="2160000"/>
+          </a:xfrm>
+          <a:prstGeom prst="rect">
+            <a:avLst/>
+          </a:prstGeom>
+          <a:noFill/>
+          <a:extLst>
+            <a:ext uri="{909E8E84-426E-40DD-AFC4-6F175D3DCCD1}">
+              <a14:hiddenFill xmlns:a14="http://schemas.microsoft.com/office/drawing/2010/main">
+                <a:solidFill>
+                  <a:srgbClr val="FFFFFF"/>
+                </a:solidFill>
+              </a14:hiddenFill>
+            </a:ext>
+          </a:extLst>
+        </p:spPr>
+      </p:pic>
+    </p:spTree>
+    <p:extLst>
+      <p:ext uri="{BB962C8B-B14F-4D97-AF65-F5344CB8AC3E}">
+        <p14:creationId xmlns:p14="http://schemas.microsoft.com/office/powerpoint/2010/main" val="934785692"/>
+      </p:ext>
+    </p:extLst>
+  </p:cSld>
+  <p:clrMapOvr>
+    <a:masterClrMapping/>
+  </p:clrMapOvr>
+</p:sld>
+</file>
+
+<file path=ppt/slides/slide8.xml><?xml version="1.0" encoding="utf-8"?>
+<p:sld xmlns:a="http://schemas.openxmlformats.org/drawingml/2006/main" xmlns:r="http://schemas.openxmlformats.org/officeDocument/2006/relationships" xmlns:p="http://schemas.openxmlformats.org/presentationml/2006/main">
+  <p:cSld>
+    <p:spTree>
+      <p:nvGrpSpPr>
+        <p:cNvPr id="1" name=""/>
+        <p:cNvGrpSpPr/>
+        <p:nvPr/>
+      </p:nvGrpSpPr>
+      <p:grpSpPr>
+        <a:xfrm>
+          <a:off x="0" y="0"/>
+          <a:ext cx="0" cy="0"/>
+          <a:chOff x="0" y="0"/>
+          <a:chExt cx="0" cy="0"/>
+        </a:xfrm>
+      </p:grpSpPr>
+      <p:sp>
+        <p:nvSpPr>
+          <p:cNvPr id="3" name="Content Placeholder 2">
+            <a:extLst>
+              <a:ext uri="{FF2B5EF4-FFF2-40B4-BE49-F238E27FC236}">
+                <a16:creationId xmlns:a16="http://schemas.microsoft.com/office/drawing/2014/main" id="{4CCE803A-55EA-D1B4-86E1-9E5ED92D04B9}"/>
+              </a:ext>
+            </a:extLst>
+          </p:cNvPr>
+          <p:cNvSpPr>
+            <a:spLocks noGrp="1"/>
+          </p:cNvSpPr>
+          <p:nvPr>
+            <p:ph idx="1"/>
+          </p:nvPr>
+        </p:nvSpPr>
+        <p:spPr>
+          <a:xfrm>
+            <a:off x="838200" y="4908148"/>
+            <a:ext cx="10515600" cy="1288553"/>
+          </a:xfrm>
+        </p:spPr>
+        <p:txBody>
+          <a:bodyPr>
+            <a:normAutofit/>
+          </a:bodyPr>
+          <a:lstStyle/>
+          <a:p>
+            <a:r>
+              <a:rPr lang="en-US" sz="1400" dirty="0"/>
+              <a:t>Although most neurons have relatively low mean ΔF/F across odors, the OSI distribution indicates that many neurons are still highly selective, likely responding strongly to only a subset of odors.”</a:t>
+            </a:r>
+          </a:p>
+          <a:p>
+            <a:r>
+              <a:rPr lang="en-US" sz="1400" dirty="0"/>
+              <a:t>The majority of piriform neurons show moderate odor-evoked responses (max ΔF/F &lt; 0.15), yet many maintain high odor selectivity (OSI &gt; 0.7). This suggests that odor identity coding can be implemented with relatively low response amplitude, consistent with sparse and specific encoding strategies.</a:t>
+            </a:r>
+          </a:p>
+        </p:txBody>
+      </p:sp>
+      <p:pic>
+        <p:nvPicPr>
+          <p:cNvPr id="2051" name="Picture 3">
+            <a:extLst>
+              <a:ext uri="{FF2B5EF4-FFF2-40B4-BE49-F238E27FC236}">
+                <a16:creationId xmlns:a16="http://schemas.microsoft.com/office/drawing/2014/main" id="{C1C3F443-FCEC-A4A8-0F81-F38253B566ED}"/>
+              </a:ext>
+            </a:extLst>
+          </p:cNvPr>
+          <p:cNvPicPr>
+            <a:picLocks noChangeAspect="1" noChangeArrowheads="1"/>
+          </p:cNvPicPr>
+          <p:nvPr/>
+        </p:nvPicPr>
+        <p:blipFill>
+          <a:blip r:embed="rId3">
+            <a:extLst>
+              <a:ext uri="{28A0092B-C50C-407E-A947-70E740481C1C}">
+                <a14:useLocalDpi xmlns:a14="http://schemas.microsoft.com/office/drawing/2010/main" val="0"/>
+              </a:ext>
+            </a:extLst>
+          </a:blip>
+          <a:srcRect/>
+          <a:stretch>
+            <a:fillRect/>
+          </a:stretch>
+        </p:blipFill>
+        <p:spPr bwMode="auto">
+          <a:xfrm>
+            <a:off x="1378217" y="2564013"/>
+            <a:ext cx="2639999" cy="1980000"/>
+          </a:xfrm>
+          <a:prstGeom prst="rect">
+            <a:avLst/>
+          </a:prstGeom>
+          <a:noFill/>
+          <a:extLst>
+            <a:ext uri="{909E8E84-426E-40DD-AFC4-6F175D3DCCD1}">
+              <a14:hiddenFill xmlns:a14="http://schemas.microsoft.com/office/drawing/2010/main">
+                <a:solidFill>
+                  <a:srgbClr val="FFFFFF"/>
+                </a:solidFill>
+              </a14:hiddenFill>
+            </a:ext>
+          </a:extLst>
+        </p:spPr>
+      </p:pic>
+      <p:pic>
+        <p:nvPicPr>
+          <p:cNvPr id="1029" name="Picture 5">
+            <a:extLst>
+              <a:ext uri="{FF2B5EF4-FFF2-40B4-BE49-F238E27FC236}">
+                <a16:creationId xmlns:a16="http://schemas.microsoft.com/office/drawing/2014/main" id="{5DE57D4A-AED0-DD8F-72A0-932D42583B97}"/>
+              </a:ext>
+            </a:extLst>
+          </p:cNvPr>
+          <p:cNvPicPr>
+            <a:picLocks noChangeAspect="1" noChangeArrowheads="1"/>
+          </p:cNvPicPr>
+          <p:nvPr/>
+        </p:nvPicPr>
+        <p:blipFill>
+          <a:blip r:embed="rId4">
+            <a:extLst>
+              <a:ext uri="{28A0092B-C50C-407E-A947-70E740481C1C}">
+                <a14:useLocalDpi xmlns:a14="http://schemas.microsoft.com/office/drawing/2010/main" val="0"/>
+              </a:ext>
+            </a:extLst>
+          </a:blip>
+          <a:srcRect/>
+          <a:stretch>
+            <a:fillRect/>
+          </a:stretch>
+        </p:blipFill>
+        <p:spPr bwMode="auto">
+          <a:xfrm>
+            <a:off x="8173785" y="417199"/>
+            <a:ext cx="2641902" cy="1980000"/>
+          </a:xfrm>
+          <a:prstGeom prst="rect">
+            <a:avLst/>
+          </a:prstGeom>
+          <a:noFill/>
+          <a:extLst>
+            <a:ext uri="{909E8E84-426E-40DD-AFC4-6F175D3DCCD1}">
+              <a14:hiddenFill xmlns:a14="http://schemas.microsoft.com/office/drawing/2010/main">
+                <a:solidFill>
+                  <a:srgbClr val="FFFFFF"/>
+                </a:solidFill>
+              </a14:hiddenFill>
+            </a:ext>
+          </a:extLst>
+        </p:spPr>
+      </p:pic>
+      <p:pic>
+        <p:nvPicPr>
+          <p:cNvPr id="1030" name="Picture 6">
+            <a:extLst>
+              <a:ext uri="{FF2B5EF4-FFF2-40B4-BE49-F238E27FC236}">
+                <a16:creationId xmlns:a16="http://schemas.microsoft.com/office/drawing/2014/main" id="{14FEC95F-6354-0277-902B-A224A7D1B1E9}"/>
+              </a:ext>
+            </a:extLst>
+          </p:cNvPr>
+          <p:cNvPicPr>
+            <a:picLocks noChangeAspect="1" noChangeArrowheads="1"/>
+          </p:cNvPicPr>
+          <p:nvPr/>
+        </p:nvPicPr>
+        <p:blipFill>
+          <a:blip r:embed="rId5">
+            <a:extLst>
+              <a:ext uri="{28A0092B-C50C-407E-A947-70E740481C1C}">
+                <a14:useLocalDpi xmlns:a14="http://schemas.microsoft.com/office/drawing/2010/main" val="0"/>
+              </a:ext>
+            </a:extLst>
+          </a:blip>
+          <a:srcRect/>
+          <a:stretch>
+            <a:fillRect/>
+          </a:stretch>
+        </p:blipFill>
+        <p:spPr bwMode="auto">
+          <a:xfrm>
+            <a:off x="8173785" y="2573461"/>
+            <a:ext cx="2641902" cy="1980000"/>
+          </a:xfrm>
+          <a:prstGeom prst="rect">
+            <a:avLst/>
+          </a:prstGeom>
+          <a:noFill/>
+          <a:extLst>
+            <a:ext uri="{909E8E84-426E-40DD-AFC4-6F175D3DCCD1}">
+              <a14:hiddenFill xmlns:a14="http://schemas.microsoft.com/office/drawing/2010/main">
+                <a:solidFill>
+                  <a:srgbClr val="FFFFFF"/>
+                </a:solidFill>
+              </a14:hiddenFill>
+            </a:ext>
+          </a:extLst>
+        </p:spPr>
+      </p:pic>
+      <p:pic>
+        <p:nvPicPr>
+          <p:cNvPr id="1031" name="Picture 7">
+            <a:extLst>
+              <a:ext uri="{FF2B5EF4-FFF2-40B4-BE49-F238E27FC236}">
+                <a16:creationId xmlns:a16="http://schemas.microsoft.com/office/drawing/2014/main" id="{3C210DDD-ED31-A1EF-258D-6B48070F4CF2}"/>
+              </a:ext>
+            </a:extLst>
+          </p:cNvPr>
+          <p:cNvPicPr>
+            <a:picLocks noChangeAspect="1" noChangeArrowheads="1"/>
+          </p:cNvPicPr>
+          <p:nvPr/>
+        </p:nvPicPr>
+        <p:blipFill>
+          <a:blip r:embed="rId6">
+            <a:extLst>
+              <a:ext uri="{28A0092B-C50C-407E-A947-70E740481C1C}">
+                <a14:useLocalDpi xmlns:a14="http://schemas.microsoft.com/office/drawing/2010/main" val="0"/>
+              </a:ext>
+            </a:extLst>
+          </a:blip>
+          <a:srcRect/>
+          <a:stretch>
+            <a:fillRect/>
+          </a:stretch>
+        </p:blipFill>
+        <p:spPr bwMode="auto">
+          <a:xfrm>
+            <a:off x="4775049" y="2573461"/>
+            <a:ext cx="2641902" cy="1980000"/>
+          </a:xfrm>
+          <a:prstGeom prst="rect">
+            <a:avLst/>
+          </a:prstGeom>
+          <a:noFill/>
+          <a:extLst>
+            <a:ext uri="{909E8E84-426E-40DD-AFC4-6F175D3DCCD1}">
+              <a14:hiddenFill xmlns:a14="http://schemas.microsoft.com/office/drawing/2010/main">
+                <a:solidFill>
+                  <a:srgbClr val="FFFFFF"/>
+                </a:solidFill>
+              </a14:hiddenFill>
+            </a:ext>
+          </a:extLst>
+        </p:spPr>
+      </p:pic>
+      <p:pic>
+        <p:nvPicPr>
+          <p:cNvPr id="1032" name="Picture 8">
+            <a:extLst>
+              <a:ext uri="{FF2B5EF4-FFF2-40B4-BE49-F238E27FC236}">
+                <a16:creationId xmlns:a16="http://schemas.microsoft.com/office/drawing/2014/main" id="{0BA9B240-81C7-35CE-4BC2-624B30D63A73}"/>
+              </a:ext>
+            </a:extLst>
+          </p:cNvPr>
+          <p:cNvPicPr>
+            <a:picLocks noChangeAspect="1" noChangeArrowheads="1"/>
+          </p:cNvPicPr>
+          <p:nvPr/>
+        </p:nvPicPr>
+        <p:blipFill>
+          <a:blip r:embed="rId7">
+            <a:extLst>
+              <a:ext uri="{28A0092B-C50C-407E-A947-70E740481C1C}">
+                <a14:useLocalDpi xmlns:a14="http://schemas.microsoft.com/office/drawing/2010/main" val="0"/>
+              </a:ext>
+            </a:extLst>
+          </a:blip>
+          <a:srcRect/>
+          <a:stretch>
+            <a:fillRect/>
+          </a:stretch>
+        </p:blipFill>
+        <p:spPr bwMode="auto">
+          <a:xfrm>
+            <a:off x="1376313" y="417199"/>
+            <a:ext cx="2641903" cy="1980000"/>
+          </a:xfrm>
+          <a:prstGeom prst="rect">
+            <a:avLst/>
+          </a:prstGeom>
+          <a:noFill/>
+          <a:extLst>
+            <a:ext uri="{909E8E84-426E-40DD-AFC4-6F175D3DCCD1}">
+              <a14:hiddenFill xmlns:a14="http://schemas.microsoft.com/office/drawing/2010/main">
+                <a:solidFill>
+                  <a:srgbClr val="FFFFFF"/>
+                </a:solidFill>
+              </a14:hiddenFill>
+            </a:ext>
+          </a:extLst>
+        </p:spPr>
+      </p:pic>
+      <p:pic>
+        <p:nvPicPr>
+          <p:cNvPr id="1033" name="Picture 9">
+            <a:extLst>
+              <a:ext uri="{FF2B5EF4-FFF2-40B4-BE49-F238E27FC236}">
+                <a16:creationId xmlns:a16="http://schemas.microsoft.com/office/drawing/2014/main" id="{562B93DF-157C-EB6C-D687-E39982769D22}"/>
+              </a:ext>
+            </a:extLst>
+          </p:cNvPr>
+          <p:cNvPicPr>
+            <a:picLocks noChangeAspect="1" noChangeArrowheads="1"/>
+          </p:cNvPicPr>
+          <p:nvPr/>
+        </p:nvPicPr>
+        <p:blipFill>
+          <a:blip r:embed="rId8">
+            <a:extLst>
+              <a:ext uri="{28A0092B-C50C-407E-A947-70E740481C1C}">
+                <a14:useLocalDpi xmlns:a14="http://schemas.microsoft.com/office/drawing/2010/main" val="0"/>
+              </a:ext>
+            </a:extLst>
+          </a:blip>
+          <a:srcRect/>
+          <a:stretch>
+            <a:fillRect/>
+          </a:stretch>
+        </p:blipFill>
+        <p:spPr bwMode="auto">
+          <a:xfrm>
+            <a:off x="4775049" y="417199"/>
+            <a:ext cx="2641902" cy="1980000"/>
+          </a:xfrm>
+          <a:prstGeom prst="rect">
+            <a:avLst/>
+          </a:prstGeom>
+          <a:noFill/>
+          <a:extLst>
+            <a:ext uri="{909E8E84-426E-40DD-AFC4-6F175D3DCCD1}">
+              <a14:hiddenFill xmlns:a14="http://schemas.microsoft.com/office/drawing/2010/main">
+                <a:solidFill>
+                  <a:srgbClr val="FFFFFF"/>
+                </a:solidFill>
+              </a14:hiddenFill>
+            </a:ext>
+          </a:extLst>
+        </p:spPr>
+      </p:pic>
+    </p:spTree>
+    <p:extLst>
+      <p:ext uri="{BB962C8B-B14F-4D97-AF65-F5344CB8AC3E}">
+        <p14:creationId xmlns:p14="http://schemas.microsoft.com/office/powerpoint/2010/main" val="757965234"/>
+      </p:ext>
+    </p:extLst>
+  </p:cSld>
+  <p:clrMapOvr>
+    <a:masterClrMapping/>
+  </p:clrMapOvr>
+</p:sld>
+</file>
+
+<file path=ppt/slides/slide9.xml><?xml version="1.0" encoding="utf-8"?>
+<p:sld xmlns:a="http://schemas.openxmlformats.org/drawingml/2006/main" xmlns:r="http://schemas.openxmlformats.org/officeDocument/2006/relationships" xmlns:p="http://schemas.openxmlformats.org/presentationml/2006/main">
+  <p:cSld>
+    <p:spTree>
+      <p:nvGrpSpPr>
+        <p:cNvPr id="1" name=""/>
+        <p:cNvGrpSpPr/>
+        <p:nvPr/>
+      </p:nvGrpSpPr>
+      <p:grpSpPr>
+        <a:xfrm>
+          <a:off x="0" y="0"/>
+          <a:ext cx="0" cy="0"/>
+          <a:chOff x="0" y="0"/>
+          <a:chExt cx="0" cy="0"/>
+        </a:xfrm>
+      </p:grpSpPr>
+      <p:sp>
+        <p:nvSpPr>
+          <p:cNvPr id="2" name="Title 1">
+            <a:extLst>
+              <a:ext uri="{FF2B5EF4-FFF2-40B4-BE49-F238E27FC236}">
+                <a16:creationId xmlns:a16="http://schemas.microsoft.com/office/drawing/2014/main" id="{9D83FCEB-02C9-0155-CF94-4FFCB9147A9A}"/>
+              </a:ext>
+            </a:extLst>
+          </p:cNvPr>
+          <p:cNvSpPr>
+            <a:spLocks noGrp="1"/>
+          </p:cNvSpPr>
+          <p:nvPr>
+            <p:ph type="title"/>
+          </p:nvPr>
+        </p:nvSpPr>
+        <p:spPr/>
+        <p:txBody>
+          <a:bodyPr/>
+          <a:lstStyle/>
+          <a:p>
+            <a:endParaRPr lang="en-US"/>
+          </a:p>
+        </p:txBody>
+      </p:sp>
+      <p:sp>
+        <p:nvSpPr>
+          <p:cNvPr id="3" name="Content Placeholder 2">
+            <a:extLst>
+              <a:ext uri="{FF2B5EF4-FFF2-40B4-BE49-F238E27FC236}">
+                <a16:creationId xmlns:a16="http://schemas.microsoft.com/office/drawing/2014/main" id="{9879E603-ED79-F318-996D-1B427D9CBBB3}"/>
+              </a:ext>
+            </a:extLst>
+          </p:cNvPr>
+          <p:cNvSpPr>
+            <a:spLocks noGrp="1"/>
+          </p:cNvSpPr>
+          <p:nvPr>
+            <p:ph idx="1"/>
+          </p:nvPr>
+        </p:nvSpPr>
+        <p:spPr/>
+        <p:txBody>
+          <a:bodyPr/>
+          <a:lstStyle/>
+          <a:p>
+            <a:endParaRPr lang="en-US"/>
+          </a:p>
+        </p:txBody>
+      </p:sp>
+    </p:spTree>
+    <p:extLst>
+      <p:ext uri="{BB962C8B-B14F-4D97-AF65-F5344CB8AC3E}">
+        <p14:creationId xmlns:p14="http://schemas.microsoft.com/office/powerpoint/2010/main" val="3197480291"/>
       </p:ext>
     </p:extLst>
   </p:cSld>
@@ -4360,4 +6392,319 @@
     </a:ext>
   </a:extLst>
 </a:theme>
+</file>
+
+<file path=ppt/theme/theme2.xml><?xml version="1.0" encoding="utf-8"?>
+<a:theme xmlns:a="http://schemas.openxmlformats.org/drawingml/2006/main" name="Office Theme">
+  <a:themeElements>
+    <a:clrScheme name="Office">
+      <a:dk1>
+        <a:sysClr val="windowText" lastClr="000000"/>
+      </a:dk1>
+      <a:lt1>
+        <a:sysClr val="window" lastClr="FFFFFF"/>
+      </a:lt1>
+      <a:dk2>
+        <a:srgbClr val="0E2841"/>
+      </a:dk2>
+      <a:lt2>
+        <a:srgbClr val="E8E8E8"/>
+      </a:lt2>
+      <a:accent1>
+        <a:srgbClr val="156082"/>
+      </a:accent1>
+      <a:accent2>
+        <a:srgbClr val="E97132"/>
+      </a:accent2>
+      <a:accent3>
+        <a:srgbClr val="196B24"/>
+      </a:accent3>
+      <a:accent4>
+        <a:srgbClr val="0F9ED5"/>
+      </a:accent4>
+      <a:accent5>
+        <a:srgbClr val="A02B93"/>
+      </a:accent5>
+      <a:accent6>
+        <a:srgbClr val="4EA72E"/>
+      </a:accent6>
+      <a:hlink>
+        <a:srgbClr val="467886"/>
+      </a:hlink>
+      <a:folHlink>
+        <a:srgbClr val="96607D"/>
+      </a:folHlink>
+    </a:clrScheme>
+    <a:fontScheme name="Office">
+      <a:majorFont>
+        <a:latin typeface="Aptos Display" panose="02110004020202020204"/>
+        <a:ea typeface=""/>
+        <a:cs typeface=""/>
+        <a:font script="Jpan" typeface="游ゴシック Light"/>
+        <a:font script="Hang" typeface="맑은 고딕"/>
+        <a:font script="Hans" typeface="等线 Light"/>
+        <a:font script="Hant" typeface="新細明體"/>
+        <a:font script="Arab" typeface="Times New Roman"/>
+        <a:font script="Hebr" typeface="Times New Roman"/>
+        <a:font script="Thai" typeface="Angsana New"/>
+        <a:font script="Ethi" typeface="Nyala"/>
+        <a:font script="Beng" typeface="Vrinda"/>
+        <a:font script="Gujr" typeface="Shruti"/>
+        <a:font script="Khmr" typeface="MoolBoran"/>
+        <a:font script="Knda" typeface="Tunga"/>
+        <a:font script="Guru" typeface="Raavi"/>
+        <a:font script="Cans" typeface="Euphemia"/>
+        <a:font script="Cher" typeface="Plantagenet Cherokee"/>
+        <a:font script="Yiii" typeface="Microsoft Yi Baiti"/>
+        <a:font script="Tibt" typeface="Microsoft Himalaya"/>
+        <a:font script="Thaa" typeface="MV Boli"/>
+        <a:font script="Deva" typeface="Mangal"/>
+        <a:font script="Telu" typeface="Gautami"/>
+        <a:font script="Taml" typeface="Latha"/>
+        <a:font script="Syrc" typeface="Estrangelo Edessa"/>
+        <a:font script="Orya" typeface="Kalinga"/>
+        <a:font script="Mlym" typeface="Kartika"/>
+        <a:font script="Laoo" typeface="DokChampa"/>
+        <a:font script="Sinh" typeface="Iskoola Pota"/>
+        <a:font script="Mong" typeface="Mongolian Baiti"/>
+        <a:font script="Viet" typeface="Times New Roman"/>
+        <a:font script="Uigh" typeface="Microsoft Uighur"/>
+        <a:font script="Geor" typeface="Sylfaen"/>
+        <a:font script="Armn" typeface="Arial"/>
+        <a:font script="Bugi" typeface="Leelawadee UI"/>
+        <a:font script="Bopo" typeface="Microsoft JhengHei"/>
+        <a:font script="Java" typeface="Javanese Text"/>
+        <a:font script="Lisu" typeface="Segoe UI"/>
+        <a:font script="Mymr" typeface="Myanmar Text"/>
+        <a:font script="Nkoo" typeface="Ebrima"/>
+        <a:font script="Olck" typeface="Nirmala UI"/>
+        <a:font script="Osma" typeface="Ebrima"/>
+        <a:font script="Phag" typeface="Phagspa"/>
+        <a:font script="Syrn" typeface="Estrangelo Edessa"/>
+        <a:font script="Syrj" typeface="Estrangelo Edessa"/>
+        <a:font script="Syre" typeface="Estrangelo Edessa"/>
+        <a:font script="Sora" typeface="Nirmala UI"/>
+        <a:font script="Tale" typeface="Microsoft Tai Le"/>
+        <a:font script="Talu" typeface="Microsoft New Tai Lue"/>
+        <a:font script="Tfng" typeface="Ebrima"/>
+      </a:majorFont>
+      <a:minorFont>
+        <a:latin typeface="Aptos" panose="02110004020202020204"/>
+        <a:ea typeface=""/>
+        <a:cs typeface=""/>
+        <a:font script="Jpan" typeface="游ゴシック"/>
+        <a:font script="Hang" typeface="맑은 고딕"/>
+        <a:font script="Hans" typeface="等线"/>
+        <a:font script="Hant" typeface="新細明體"/>
+        <a:font script="Arab" typeface="Arial"/>
+        <a:font script="Hebr" typeface="Arial"/>
+        <a:font script="Thai" typeface="Cordia New"/>
+        <a:font script="Ethi" typeface="Nyala"/>
+        <a:font script="Beng" typeface="Vrinda"/>
+        <a:font script="Gujr" typeface="Shruti"/>
+        <a:font script="Khmr" typeface="DaunPenh"/>
+        <a:font script="Knda" typeface="Tunga"/>
+        <a:font script="Guru" typeface="Raavi"/>
+        <a:font script="Cans" typeface="Euphemia"/>
+        <a:font script="Cher" typeface="Plantagenet Cherokee"/>
+        <a:font script="Yiii" typeface="Microsoft Yi Baiti"/>
+        <a:font script="Tibt" typeface="Microsoft Himalaya"/>
+        <a:font script="Thaa" typeface="MV Boli"/>
+        <a:font script="Deva" typeface="Mangal"/>
+        <a:font script="Telu" typeface="Gautami"/>
+        <a:font script="Taml" typeface="Latha"/>
+        <a:font script="Syrc" typeface="Estrangelo Edessa"/>
+        <a:font script="Orya" typeface="Kalinga"/>
+        <a:font script="Mlym" typeface="Kartika"/>
+        <a:font script="Laoo" typeface="DokChampa"/>
+        <a:font script="Sinh" typeface="Iskoola Pota"/>
+        <a:font script="Mong" typeface="Mongolian Baiti"/>
+        <a:font script="Viet" typeface="Arial"/>
+        <a:font script="Uigh" typeface="Microsoft Uighur"/>
+        <a:font script="Geor" typeface="Sylfaen"/>
+        <a:font script="Armn" typeface="Arial"/>
+        <a:font script="Bugi" typeface="Leelawadee UI"/>
+        <a:font script="Bopo" typeface="Microsoft JhengHei"/>
+        <a:font script="Java" typeface="Javanese Text"/>
+        <a:font script="Lisu" typeface="Segoe UI"/>
+        <a:font script="Mymr" typeface="Myanmar Text"/>
+        <a:font script="Nkoo" typeface="Ebrima"/>
+        <a:font script="Olck" typeface="Nirmala UI"/>
+        <a:font script="Osma" typeface="Ebrima"/>
+        <a:font script="Phag" typeface="Phagspa"/>
+        <a:font script="Syrn" typeface="Estrangelo Edessa"/>
+        <a:font script="Syrj" typeface="Estrangelo Edessa"/>
+        <a:font script="Syre" typeface="Estrangelo Edessa"/>
+        <a:font script="Sora" typeface="Nirmala UI"/>
+        <a:font script="Tale" typeface="Microsoft Tai Le"/>
+        <a:font script="Talu" typeface="Microsoft New Tai Lue"/>
+        <a:font script="Tfng" typeface="Ebrima"/>
+      </a:minorFont>
+    </a:fontScheme>
+    <a:fmtScheme name="Office">
+      <a:fillStyleLst>
+        <a:solidFill>
+          <a:schemeClr val="phClr"/>
+        </a:solidFill>
+        <a:gradFill rotWithShape="1">
+          <a:gsLst>
+            <a:gs pos="0">
+              <a:schemeClr val="phClr">
+                <a:lumMod val="110000"/>
+                <a:satMod val="105000"/>
+                <a:tint val="67000"/>
+              </a:schemeClr>
+            </a:gs>
+            <a:gs pos="50000">
+              <a:schemeClr val="phClr">
+                <a:lumMod val="105000"/>
+                <a:satMod val="103000"/>
+                <a:tint val="73000"/>
+              </a:schemeClr>
+            </a:gs>
+            <a:gs pos="100000">
+              <a:schemeClr val="phClr">
+                <a:lumMod val="105000"/>
+                <a:satMod val="109000"/>
+                <a:tint val="81000"/>
+              </a:schemeClr>
+            </a:gs>
+          </a:gsLst>
+          <a:lin ang="5400000" scaled="0"/>
+        </a:gradFill>
+        <a:gradFill rotWithShape="1">
+          <a:gsLst>
+            <a:gs pos="0">
+              <a:schemeClr val="phClr">
+                <a:satMod val="103000"/>
+                <a:lumMod val="102000"/>
+                <a:tint val="94000"/>
+              </a:schemeClr>
+            </a:gs>
+            <a:gs pos="50000">
+              <a:schemeClr val="phClr">
+                <a:satMod val="110000"/>
+                <a:lumMod val="100000"/>
+                <a:shade val="100000"/>
+              </a:schemeClr>
+            </a:gs>
+            <a:gs pos="100000">
+              <a:schemeClr val="phClr">
+                <a:lumMod val="99000"/>
+                <a:satMod val="120000"/>
+                <a:shade val="78000"/>
+              </a:schemeClr>
+            </a:gs>
+          </a:gsLst>
+          <a:lin ang="5400000" scaled="0"/>
+        </a:gradFill>
+      </a:fillStyleLst>
+      <a:lnStyleLst>
+        <a:ln w="12700" cap="flat" cmpd="sng" algn="ctr">
+          <a:solidFill>
+            <a:schemeClr val="phClr"/>
+          </a:solidFill>
+          <a:prstDash val="solid"/>
+          <a:miter lim="800000"/>
+        </a:ln>
+        <a:ln w="19050" cap="flat" cmpd="sng" algn="ctr">
+          <a:solidFill>
+            <a:schemeClr val="phClr"/>
+          </a:solidFill>
+          <a:prstDash val="solid"/>
+          <a:miter lim="800000"/>
+        </a:ln>
+        <a:ln w="25400" cap="flat" cmpd="sng" algn="ctr">
+          <a:solidFill>
+            <a:schemeClr val="phClr"/>
+          </a:solidFill>
+          <a:prstDash val="solid"/>
+          <a:miter lim="800000"/>
+        </a:ln>
+      </a:lnStyleLst>
+      <a:effectStyleLst>
+        <a:effectStyle>
+          <a:effectLst/>
+        </a:effectStyle>
+        <a:effectStyle>
+          <a:effectLst/>
+        </a:effectStyle>
+        <a:effectStyle>
+          <a:effectLst>
+            <a:outerShdw blurRad="57150" dist="19050" dir="5400000" algn="ctr" rotWithShape="0">
+              <a:srgbClr val="000000">
+                <a:alpha val="63000"/>
+              </a:srgbClr>
+            </a:outerShdw>
+          </a:effectLst>
+        </a:effectStyle>
+      </a:effectStyleLst>
+      <a:bgFillStyleLst>
+        <a:solidFill>
+          <a:schemeClr val="phClr"/>
+        </a:solidFill>
+        <a:solidFill>
+          <a:schemeClr val="phClr">
+            <a:tint val="95000"/>
+            <a:satMod val="170000"/>
+          </a:schemeClr>
+        </a:solidFill>
+        <a:gradFill rotWithShape="1">
+          <a:gsLst>
+            <a:gs pos="0">
+              <a:schemeClr val="phClr">
+                <a:tint val="93000"/>
+                <a:satMod val="150000"/>
+                <a:shade val="98000"/>
+                <a:lumMod val="102000"/>
+              </a:schemeClr>
+            </a:gs>
+            <a:gs pos="50000">
+              <a:schemeClr val="phClr">
+                <a:tint val="98000"/>
+                <a:satMod val="130000"/>
+                <a:shade val="90000"/>
+                <a:lumMod val="103000"/>
+              </a:schemeClr>
+            </a:gs>
+            <a:gs pos="100000">
+              <a:schemeClr val="phClr">
+                <a:shade val="63000"/>
+                <a:satMod val="120000"/>
+              </a:schemeClr>
+            </a:gs>
+          </a:gsLst>
+          <a:lin ang="5400000" scaled="0"/>
+        </a:gradFill>
+      </a:bgFillStyleLst>
+    </a:fmtScheme>
+  </a:themeElements>
+  <a:objectDefaults>
+    <a:lnDef>
+      <a:spPr/>
+      <a:bodyPr/>
+      <a:lstStyle/>
+      <a:style>
+        <a:lnRef idx="2">
+          <a:schemeClr val="accent1"/>
+        </a:lnRef>
+        <a:fillRef idx="0">
+          <a:schemeClr val="accent1"/>
+        </a:fillRef>
+        <a:effectRef idx="1">
+          <a:schemeClr val="accent1"/>
+        </a:effectRef>
+        <a:fontRef idx="minor">
+          <a:schemeClr val="tx1"/>
+        </a:fontRef>
+      </a:style>
+    </a:lnDef>
+  </a:objectDefaults>
+  <a:extraClrSchemeLst/>
+  <a:extLst>
+    <a:ext uri="{05A4C25C-085E-4340-85A3-A5531E510DB2}">
+      <thm15:themeFamily xmlns:thm15="http://schemas.microsoft.com/office/thememl/2012/main" name="Office Theme" id="{2E142A2C-CD16-42D6-873A-C26D2A0506FA}" vid="{1BDDFF52-6CD6-40A5-AB3C-68EB2F1E4D0A}"/>
+    </a:ext>
+  </a:extLst>
+</a:theme>
 </file>